--- a/Aplikasi Backup file atau folder dengan Python-tkinter_baru.pptx
+++ b/Aplikasi Backup file atau folder dengan Python-tkinter_baru.pptx
@@ -10,12 +10,19 @@
     <p:sldId id="263" r:id="rId4"/>
     <p:sldId id="264" r:id="rId5"/>
     <p:sldId id="265" r:id="rId6"/>
-    <p:sldId id="260" r:id="rId7"/>
-    <p:sldId id="266" r:id="rId8"/>
-    <p:sldId id="258" r:id="rId9"/>
-    <p:sldId id="262" r:id="rId10"/>
-    <p:sldId id="268" r:id="rId11"/>
-    <p:sldId id="267" r:id="rId12"/>
+    <p:sldId id="272" r:id="rId7"/>
+    <p:sldId id="271" r:id="rId8"/>
+    <p:sldId id="260" r:id="rId9"/>
+    <p:sldId id="274" r:id="rId10"/>
+    <p:sldId id="273" r:id="rId11"/>
+    <p:sldId id="266" r:id="rId12"/>
+    <p:sldId id="258" r:id="rId13"/>
+    <p:sldId id="267" r:id="rId14"/>
+    <p:sldId id="269" r:id="rId15"/>
+    <p:sldId id="262" r:id="rId16"/>
+    <p:sldId id="268" r:id="rId17"/>
+    <p:sldId id="270" r:id="rId18"/>
+    <p:sldId id="275" r:id="rId19"/>
   </p:sldIdLst>
   <p:sldSz cx="12192000" cy="6858000"/>
   <p:notesSz cx="6858000" cy="9144000"/>
@@ -3148,7 +3155,7 @@
           <a:p>
             <a:fld id="{74739F1C-F04F-4284-AF67-093AF26C0F70}" type="datetimeFigureOut">
               <a:rPr lang="en-US" smtClean="0"/>
-              <a:t>5/12/2022</a:t>
+              <a:t>5/13/2022</a:t>
             </a:fld>
             <a:endParaRPr lang="en-US"/>
           </a:p>
@@ -3346,7 +3353,7 @@
           <a:p>
             <a:fld id="{74739F1C-F04F-4284-AF67-093AF26C0F70}" type="datetimeFigureOut">
               <a:rPr lang="en-US" smtClean="0"/>
-              <a:t>5/12/2022</a:t>
+              <a:t>5/13/2022</a:t>
             </a:fld>
             <a:endParaRPr lang="en-US"/>
           </a:p>
@@ -3554,7 +3561,7 @@
           <a:p>
             <a:fld id="{74739F1C-F04F-4284-AF67-093AF26C0F70}" type="datetimeFigureOut">
               <a:rPr lang="en-US" smtClean="0"/>
-              <a:t>5/12/2022</a:t>
+              <a:t>5/13/2022</a:t>
             </a:fld>
             <a:endParaRPr lang="en-US"/>
           </a:p>
@@ -3752,7 +3759,7 @@
           <a:p>
             <a:fld id="{74739F1C-F04F-4284-AF67-093AF26C0F70}" type="datetimeFigureOut">
               <a:rPr lang="en-US" smtClean="0"/>
-              <a:t>5/12/2022</a:t>
+              <a:t>5/13/2022</a:t>
             </a:fld>
             <a:endParaRPr lang="en-US"/>
           </a:p>
@@ -4027,7 +4034,7 @@
           <a:p>
             <a:fld id="{74739F1C-F04F-4284-AF67-093AF26C0F70}" type="datetimeFigureOut">
               <a:rPr lang="en-US" smtClean="0"/>
-              <a:t>5/12/2022</a:t>
+              <a:t>5/13/2022</a:t>
             </a:fld>
             <a:endParaRPr lang="en-US"/>
           </a:p>
@@ -4292,7 +4299,7 @@
           <a:p>
             <a:fld id="{74739F1C-F04F-4284-AF67-093AF26C0F70}" type="datetimeFigureOut">
               <a:rPr lang="en-US" smtClean="0"/>
-              <a:t>5/12/2022</a:t>
+              <a:t>5/13/2022</a:t>
             </a:fld>
             <a:endParaRPr lang="en-US"/>
           </a:p>
@@ -4704,7 +4711,7 @@
           <a:p>
             <a:fld id="{74739F1C-F04F-4284-AF67-093AF26C0F70}" type="datetimeFigureOut">
               <a:rPr lang="en-US" smtClean="0"/>
-              <a:t>5/12/2022</a:t>
+              <a:t>5/13/2022</a:t>
             </a:fld>
             <a:endParaRPr lang="en-US"/>
           </a:p>
@@ -4845,7 +4852,7 @@
           <a:p>
             <a:fld id="{74739F1C-F04F-4284-AF67-093AF26C0F70}" type="datetimeFigureOut">
               <a:rPr lang="en-US" smtClean="0"/>
-              <a:t>5/12/2022</a:t>
+              <a:t>5/13/2022</a:t>
             </a:fld>
             <a:endParaRPr lang="en-US"/>
           </a:p>
@@ -4958,7 +4965,7 @@
           <a:p>
             <a:fld id="{74739F1C-F04F-4284-AF67-093AF26C0F70}" type="datetimeFigureOut">
               <a:rPr lang="en-US" smtClean="0"/>
-              <a:t>5/12/2022</a:t>
+              <a:t>5/13/2022</a:t>
             </a:fld>
             <a:endParaRPr lang="en-US"/>
           </a:p>
@@ -5269,7 +5276,7 @@
           <a:p>
             <a:fld id="{74739F1C-F04F-4284-AF67-093AF26C0F70}" type="datetimeFigureOut">
               <a:rPr lang="en-US" smtClean="0"/>
-              <a:t>5/12/2022</a:t>
+              <a:t>5/13/2022</a:t>
             </a:fld>
             <a:endParaRPr lang="en-US"/>
           </a:p>
@@ -5557,7 +5564,7 @@
           <a:p>
             <a:fld id="{74739F1C-F04F-4284-AF67-093AF26C0F70}" type="datetimeFigureOut">
               <a:rPr lang="en-US" smtClean="0"/>
-              <a:t>5/12/2022</a:t>
+              <a:t>5/13/2022</a:t>
             </a:fld>
             <a:endParaRPr lang="en-US"/>
           </a:p>
@@ -5798,7 +5805,7 @@
           <a:p>
             <a:fld id="{74739F1C-F04F-4284-AF67-093AF26C0F70}" type="datetimeFigureOut">
               <a:rPr lang="en-US" smtClean="0"/>
-              <a:t>5/12/2022</a:t>
+              <a:t>5/13/2022</a:t>
             </a:fld>
             <a:endParaRPr lang="en-US"/>
           </a:p>
@@ -6396,7 +6403,7 @@
           <p:cNvPr id="2" name="Title 1">
             <a:extLst>
               <a:ext uri="{FF2B5EF4-FFF2-40B4-BE49-F238E27FC236}">
-                <a16:creationId xmlns:a16="http://schemas.microsoft.com/office/drawing/2014/main" id="{04DDCA0C-4F6C-A3DE-57F0-3758B1247555}"/>
+                <a16:creationId xmlns:a16="http://schemas.microsoft.com/office/drawing/2014/main" id="{817E6CFC-F97C-1C55-72C8-689606346630}"/>
               </a:ext>
             </a:extLst>
           </p:cNvPr>
@@ -6433,7 +6440,127 @@
           <p:cNvPr id="3" name="Content Placeholder 2">
             <a:extLst>
               <a:ext uri="{FF2B5EF4-FFF2-40B4-BE49-F238E27FC236}">
-                <a16:creationId xmlns:a16="http://schemas.microsoft.com/office/drawing/2014/main" id="{1044B9D6-AFE1-AF1E-9FD3-A9A372862175}"/>
+                <a16:creationId xmlns:a16="http://schemas.microsoft.com/office/drawing/2014/main" id="{6F41A36C-C403-176F-CBDB-C851BF0A7612}"/>
+              </a:ext>
+            </a:extLst>
+          </p:cNvPr>
+          <p:cNvSpPr>
+            <a:spLocks noGrp="1"/>
+          </p:cNvSpPr>
+          <p:nvPr>
+            <p:ph idx="1"/>
+          </p:nvPr>
+        </p:nvSpPr>
+        <p:spPr/>
+        <p:txBody>
+          <a:bodyPr/>
+          <a:lstStyle/>
+          <a:p>
+            <a:r>
+              <a:rPr lang="en-US" dirty="0" err="1"/>
+              <a:t>bakd</a:t>
+            </a:r>
+            <a:r>
+              <a:rPr lang="en-US" dirty="0"/>
+              <a:t>()</a:t>
+            </a:r>
+          </a:p>
+          <a:p>
+            <a:r>
+              <a:rPr lang="en-US" dirty="0" err="1"/>
+              <a:t>bakf</a:t>
+            </a:r>
+            <a:r>
+              <a:rPr lang="en-US" dirty="0"/>
+              <a:t>()</a:t>
+            </a:r>
+          </a:p>
+          <a:p>
+            <a:r>
+              <a:rPr lang="en-US" dirty="0" err="1"/>
+              <a:t>show_menu</a:t>
+            </a:r>
+            <a:r>
+              <a:rPr lang="en-US" dirty="0"/>
+              <a:t>()</a:t>
+            </a:r>
+            <a:endParaRPr lang="en-ID" dirty="0"/>
+          </a:p>
+        </p:txBody>
+      </p:sp>
+    </p:spTree>
+    <p:extLst>
+      <p:ext uri="{BB962C8B-B14F-4D97-AF65-F5344CB8AC3E}">
+        <p14:creationId xmlns:p14="http://schemas.microsoft.com/office/powerpoint/2010/main" val="3983980927"/>
+      </p:ext>
+    </p:extLst>
+  </p:cSld>
+  <p:clrMapOvr>
+    <a:masterClrMapping/>
+  </p:clrMapOvr>
+</p:sld>
+</file>
+
+<file path=ppt/slides/slide11.xml><?xml version="1.0" encoding="utf-8"?>
+<p:sld xmlns:a="http://schemas.openxmlformats.org/drawingml/2006/main" xmlns:r="http://schemas.openxmlformats.org/officeDocument/2006/relationships" xmlns:p="http://schemas.openxmlformats.org/presentationml/2006/main">
+  <p:cSld>
+    <p:spTree>
+      <p:nvGrpSpPr>
+        <p:cNvPr id="1" name=""/>
+        <p:cNvGrpSpPr/>
+        <p:nvPr/>
+      </p:nvGrpSpPr>
+      <p:grpSpPr>
+        <a:xfrm>
+          <a:off x="0" y="0"/>
+          <a:ext cx="0" cy="0"/>
+          <a:chOff x="0" y="0"/>
+          <a:chExt cx="0" cy="0"/>
+        </a:xfrm>
+      </p:grpSpPr>
+      <p:sp>
+        <p:nvSpPr>
+          <p:cNvPr id="2" name="Title 1">
+            <a:extLst>
+              <a:ext uri="{FF2B5EF4-FFF2-40B4-BE49-F238E27FC236}">
+                <a16:creationId xmlns:a16="http://schemas.microsoft.com/office/drawing/2014/main" id="{1675B71F-EAC5-8D60-4A4E-22F3BF27A8F4}"/>
+              </a:ext>
+            </a:extLst>
+          </p:cNvPr>
+          <p:cNvSpPr>
+            <a:spLocks noGrp="1"/>
+          </p:cNvSpPr>
+          <p:nvPr>
+            <p:ph type="title"/>
+          </p:nvPr>
+        </p:nvSpPr>
+        <p:spPr/>
+        <p:txBody>
+          <a:bodyPr/>
+          <a:lstStyle/>
+          <a:p>
+            <a:r>
+              <a:rPr lang="en-US" dirty="0"/>
+              <a:t>Mode </a:t>
+            </a:r>
+            <a:r>
+              <a:rPr lang="en-US" dirty="0" err="1"/>
+              <a:t>Grafis</a:t>
+            </a:r>
+            <a:r>
+              <a:rPr lang="en-US" dirty="0"/>
+              <a:t> (GUI)</a:t>
+            </a:r>
+            <a:endParaRPr lang="en-ID" dirty="0"/>
+          </a:p>
+        </p:txBody>
+      </p:sp>
+      <p:sp>
+        <p:nvSpPr>
+          <p:cNvPr id="3" name="Content Placeholder 2">
+            <a:extLst>
+              <a:ext uri="{FF2B5EF4-FFF2-40B4-BE49-F238E27FC236}">
+                <a16:creationId xmlns:a16="http://schemas.microsoft.com/office/drawing/2014/main" id="{71B9FD9D-9110-214B-1726-692391C9D0B4}"/>
               </a:ext>
             </a:extLst>
           </p:cNvPr>
@@ -6447,119 +6574,190 @@
         <p:spPr/>
         <p:txBody>
           <a:bodyPr>
-            <a:normAutofit fontScale="77500" lnSpcReduction="20000"/>
+            <a:normAutofit lnSpcReduction="10000"/>
           </a:bodyPr>
           <a:lstStyle/>
           <a:p>
             <a:r>
-              <a:rPr lang="en-ID" dirty="0" err="1"/>
-              <a:t>awal</a:t>
-            </a:r>
-            <a:r>
-              <a:rPr lang="en-ID" dirty="0"/>
-              <a:t>()</a:t>
-            </a:r>
-          </a:p>
-          <a:p>
-            <a:r>
-              <a:rPr lang="en-ID" dirty="0" err="1"/>
-              <a:t>batal</a:t>
-            </a:r>
-            <a:r>
-              <a:rPr lang="en-ID" dirty="0"/>
-              <a:t>()</a:t>
-            </a:r>
-          </a:p>
-          <a:p>
-            <a:r>
-              <a:rPr lang="en-ID" dirty="0"/>
-              <a:t>batal1()</a:t>
-            </a:r>
-          </a:p>
-          <a:p>
-            <a:r>
-              <a:rPr lang="en-ID" dirty="0" err="1"/>
-              <a:t>bekap</a:t>
-            </a:r>
-            <a:r>
-              <a:rPr lang="en-ID" dirty="0"/>
-              <a:t>()</a:t>
-            </a:r>
-          </a:p>
-          <a:p>
-            <a:r>
-              <a:rPr lang="en-ID" dirty="0" err="1"/>
-              <a:t>bekapf</a:t>
-            </a:r>
-            <a:r>
-              <a:rPr lang="en-ID" dirty="0"/>
-              <a:t>()</a:t>
-            </a:r>
-          </a:p>
-          <a:p>
-            <a:r>
-              <a:rPr lang="en-ID" dirty="0" err="1"/>
-              <a:t>bekap_berhasil</a:t>
-            </a:r>
-            <a:r>
-              <a:rPr lang="en-ID" dirty="0"/>
-              <a:t>()</a:t>
-            </a:r>
-          </a:p>
-          <a:p>
-            <a:r>
-              <a:rPr lang="en-ID" dirty="0" err="1"/>
-              <a:t>bekapf_berhasil</a:t>
-            </a:r>
-            <a:r>
-              <a:rPr lang="en-ID" dirty="0"/>
-              <a:t>()</a:t>
-            </a:r>
-          </a:p>
-          <a:p>
-            <a:r>
-              <a:rPr lang="en-ID" dirty="0"/>
-              <a:t>reset()</a:t>
-            </a:r>
-          </a:p>
-          <a:p>
-            <a:r>
-              <a:rPr lang="en-ID" dirty="0" err="1"/>
-              <a:t>namafile</a:t>
-            </a:r>
-            <a:r>
-              <a:rPr lang="en-ID" dirty="0"/>
-              <a:t>()</a:t>
-            </a:r>
-          </a:p>
-          <a:p>
-            <a:r>
-              <a:rPr lang="en-ID" dirty="0" err="1"/>
-              <a:t>namadir</a:t>
-            </a:r>
-            <a:r>
-              <a:rPr lang="en-ID" dirty="0"/>
-              <a:t>()</a:t>
-            </a:r>
-          </a:p>
-          <a:p>
-            <a:r>
-              <a:rPr lang="en-ID" dirty="0"/>
-              <a:t>namadir1()</a:t>
-            </a:r>
-          </a:p>
-          <a:p>
-            <a:r>
-              <a:rPr lang="en-ID" dirty="0"/>
-              <a:t>namadir2()</a:t>
-            </a:r>
+              <a:rPr lang="en-US" dirty="0" err="1"/>
+              <a:t>Paket</a:t>
+            </a:r>
+            <a:r>
+              <a:rPr lang="en-US" dirty="0"/>
+              <a:t>/</a:t>
+            </a:r>
+            <a:r>
+              <a:rPr lang="en-US" dirty="0" err="1"/>
+              <a:t>modul</a:t>
+            </a:r>
+            <a:r>
+              <a:rPr lang="en-US" dirty="0"/>
+              <a:t> yang di </a:t>
+            </a:r>
+            <a:r>
+              <a:rPr lang="en-US" dirty="0" err="1"/>
+              <a:t>sertakan</a:t>
+            </a:r>
+            <a:endParaRPr lang="en-US" dirty="0"/>
+          </a:p>
+          <a:p>
+            <a:r>
+              <a:rPr lang="en-US" dirty="0" err="1"/>
+              <a:t>Atribut</a:t>
+            </a:r>
+            <a:r>
+              <a:rPr lang="en-US" dirty="0"/>
+              <a:t>/</a:t>
+            </a:r>
+            <a:r>
+              <a:rPr lang="en-US" dirty="0" err="1"/>
+              <a:t>elemen</a:t>
+            </a:r>
+            <a:r>
+              <a:rPr lang="en-US" dirty="0"/>
+              <a:t> Yang </a:t>
+            </a:r>
+            <a:r>
+              <a:rPr lang="en-US" dirty="0" err="1"/>
+              <a:t>digunakan</a:t>
+            </a:r>
+            <a:endParaRPr lang="en-US" dirty="0"/>
+          </a:p>
+          <a:p>
+            <a:r>
+              <a:rPr lang="en-US" dirty="0" err="1"/>
+              <a:t>Penggunaan</a:t>
+            </a:r>
+            <a:r>
+              <a:rPr lang="en-US" dirty="0"/>
+              <a:t> </a:t>
+            </a:r>
+            <a:r>
+              <a:rPr lang="en-US" dirty="0" err="1"/>
+              <a:t>Paket</a:t>
+            </a:r>
+            <a:r>
+              <a:rPr lang="en-US" dirty="0"/>
+              <a:t> </a:t>
+            </a:r>
+            <a:r>
+              <a:rPr lang="en-US" dirty="0" err="1"/>
+              <a:t>pyautogui</a:t>
+            </a:r>
+            <a:endParaRPr lang="en-US" dirty="0"/>
+          </a:p>
+          <a:p>
+            <a:r>
+              <a:rPr lang="en-US" dirty="0" err="1"/>
+              <a:t>Fungsi</a:t>
+            </a:r>
+            <a:r>
+              <a:rPr lang="en-US" dirty="0"/>
+              <a:t> </a:t>
+            </a:r>
+            <a:r>
+              <a:rPr lang="en-US" dirty="0" err="1"/>
+              <a:t>utama</a:t>
+            </a:r>
+            <a:r>
+              <a:rPr lang="en-US" dirty="0"/>
+              <a:t> yang </a:t>
+            </a:r>
+            <a:r>
+              <a:rPr lang="en-US" dirty="0" err="1"/>
+              <a:t>digunakan</a:t>
+            </a:r>
+            <a:r>
+              <a:rPr lang="en-US" dirty="0"/>
+              <a:t> </a:t>
+            </a:r>
+            <a:r>
+              <a:rPr lang="en-US" dirty="0" err="1"/>
+              <a:t>untuk</a:t>
+            </a:r>
+            <a:r>
+              <a:rPr lang="en-US" dirty="0"/>
+              <a:t> </a:t>
+            </a:r>
+            <a:r>
+              <a:rPr lang="en-US" dirty="0" err="1"/>
+              <a:t>Membackup</a:t>
+            </a:r>
+            <a:endParaRPr lang="en-US" dirty="0"/>
+          </a:p>
+          <a:p>
+            <a:r>
+              <a:rPr lang="en-US" dirty="0" err="1"/>
+              <a:t>Fungsi</a:t>
+            </a:r>
+            <a:r>
+              <a:rPr lang="en-US" dirty="0"/>
+              <a:t> yang </a:t>
+            </a:r>
+            <a:r>
+              <a:rPr lang="en-US" dirty="0" err="1"/>
+              <a:t>dibuat</a:t>
+            </a:r>
+            <a:endParaRPr lang="en-US" dirty="0"/>
+          </a:p>
+          <a:p>
+            <a:r>
+              <a:rPr lang="en-US" dirty="0" err="1"/>
+              <a:t>Compilasi</a:t>
+            </a:r>
+            <a:r>
+              <a:rPr lang="en-US" dirty="0"/>
+              <a:t> file python </a:t>
+            </a:r>
+            <a:r>
+              <a:rPr lang="en-US" dirty="0" err="1"/>
+              <a:t>ke</a:t>
+            </a:r>
+            <a:r>
+              <a:rPr lang="en-US" dirty="0"/>
+              <a:t> file exe</a:t>
+            </a:r>
+          </a:p>
+          <a:p>
+            <a:endParaRPr lang="en-US" dirty="0"/>
+          </a:p>
+          <a:p>
+            <a:r>
+              <a:rPr lang="en-US" dirty="0"/>
+              <a:t>Nama File Python: \GroupR_backup_tkinter_1.py</a:t>
+            </a:r>
+          </a:p>
+          <a:p>
+            <a:r>
+              <a:rPr lang="en-US" dirty="0"/>
+              <a:t>Nama File </a:t>
+            </a:r>
+            <a:r>
+              <a:rPr lang="en-US" dirty="0" err="1"/>
+              <a:t>hasil</a:t>
+            </a:r>
+            <a:r>
+              <a:rPr lang="en-US" dirty="0"/>
+              <a:t> </a:t>
+            </a:r>
+            <a:r>
+              <a:rPr lang="en-US" dirty="0" err="1"/>
+              <a:t>kompilasi</a:t>
+            </a:r>
+            <a:r>
+              <a:rPr lang="en-US" dirty="0"/>
+              <a:t>:\ GroupR_backup_tkinter_1.exe</a:t>
+            </a:r>
+          </a:p>
+          <a:p>
+            <a:endParaRPr lang="en-ID" dirty="0"/>
           </a:p>
         </p:txBody>
       </p:sp>
     </p:spTree>
     <p:extLst>
       <p:ext uri="{BB962C8B-B14F-4D97-AF65-F5344CB8AC3E}">
-        <p14:creationId xmlns:p14="http://schemas.microsoft.com/office/powerpoint/2010/main" val="4018984022"/>
+        <p14:creationId xmlns:p14="http://schemas.microsoft.com/office/powerpoint/2010/main" val="3458752850"/>
       </p:ext>
     </p:extLst>
   </p:cSld>
@@ -6569,7 +6767,234 @@
 </p:sld>
 </file>
 
-<file path=ppt/slides/slide11.xml><?xml version="1.0" encoding="utf-8"?>
+<file path=ppt/slides/slide12.xml><?xml version="1.0" encoding="utf-8"?>
+<p:sld xmlns:a="http://schemas.openxmlformats.org/drawingml/2006/main" xmlns:r="http://schemas.openxmlformats.org/officeDocument/2006/relationships" xmlns:p="http://schemas.openxmlformats.org/presentationml/2006/main">
+  <p:cSld>
+    <p:spTree>
+      <p:nvGrpSpPr>
+        <p:cNvPr id="1" name=""/>
+        <p:cNvGrpSpPr/>
+        <p:nvPr/>
+      </p:nvGrpSpPr>
+      <p:grpSpPr>
+        <a:xfrm>
+          <a:off x="0" y="0"/>
+          <a:ext cx="0" cy="0"/>
+          <a:chOff x="0" y="0"/>
+          <a:chExt cx="0" cy="0"/>
+        </a:xfrm>
+      </p:grpSpPr>
+      <p:sp>
+        <p:nvSpPr>
+          <p:cNvPr id="2" name="Title 1">
+            <a:extLst>
+              <a:ext uri="{FF2B5EF4-FFF2-40B4-BE49-F238E27FC236}">
+                <a16:creationId xmlns:a16="http://schemas.microsoft.com/office/drawing/2014/main" id="{660B967C-8788-1EB2-D679-1E6F1B63A6A7}"/>
+              </a:ext>
+            </a:extLst>
+          </p:cNvPr>
+          <p:cNvSpPr>
+            <a:spLocks noGrp="1"/>
+          </p:cNvSpPr>
+          <p:nvPr>
+            <p:ph type="title"/>
+          </p:nvPr>
+        </p:nvSpPr>
+        <p:spPr/>
+        <p:txBody>
+          <a:bodyPr/>
+          <a:lstStyle/>
+          <a:p>
+            <a:r>
+              <a:rPr lang="en-US" dirty="0" err="1"/>
+              <a:t>Paket</a:t>
+            </a:r>
+            <a:r>
+              <a:rPr lang="en-US" dirty="0"/>
+              <a:t> yang di </a:t>
+            </a:r>
+            <a:r>
+              <a:rPr lang="en-US" dirty="0" err="1"/>
+              <a:t>sertakan</a:t>
+            </a:r>
+            <a:endParaRPr lang="en-US" dirty="0"/>
+          </a:p>
+        </p:txBody>
+      </p:sp>
+      <p:sp>
+        <p:nvSpPr>
+          <p:cNvPr id="3" name="Content Placeholder 2">
+            <a:extLst>
+              <a:ext uri="{FF2B5EF4-FFF2-40B4-BE49-F238E27FC236}">
+                <a16:creationId xmlns:a16="http://schemas.microsoft.com/office/drawing/2014/main" id="{6F00F1A7-6B07-A47F-00B1-0A3EC2DEA290}"/>
+              </a:ext>
+            </a:extLst>
+          </p:cNvPr>
+          <p:cNvSpPr>
+            <a:spLocks noGrp="1"/>
+          </p:cNvSpPr>
+          <p:nvPr>
+            <p:ph idx="1"/>
+          </p:nvPr>
+        </p:nvSpPr>
+        <p:spPr/>
+        <p:txBody>
+          <a:bodyPr>
+            <a:normAutofit fontScale="92500" lnSpcReduction="10000"/>
+          </a:bodyPr>
+          <a:lstStyle/>
+          <a:p>
+            <a:r>
+              <a:rPr lang="en-US" dirty="0" err="1"/>
+              <a:t>Tkinter</a:t>
+            </a:r>
+            <a:endParaRPr lang="en-US" dirty="0"/>
+          </a:p>
+          <a:p>
+            <a:r>
+              <a:rPr lang="en-US" dirty="0" err="1"/>
+              <a:t>distutils.dir_util</a:t>
+            </a:r>
+            <a:endParaRPr lang="en-US" dirty="0"/>
+          </a:p>
+          <a:p>
+            <a:r>
+              <a:rPr lang="en-US" dirty="0" err="1"/>
+              <a:t>Shutil</a:t>
+            </a:r>
+            <a:endParaRPr lang="en-US" dirty="0"/>
+          </a:p>
+          <a:p>
+            <a:r>
+              <a:rPr lang="en-US" dirty="0" err="1"/>
+              <a:t>pyautogui</a:t>
+            </a:r>
+            <a:endParaRPr lang="en-US" dirty="0"/>
+          </a:p>
+          <a:p>
+            <a:endParaRPr lang="en-US" dirty="0"/>
+          </a:p>
+          <a:p>
+            <a:pPr lvl="1"/>
+            <a:r>
+              <a:rPr lang="en-US" dirty="0"/>
+              <a:t>import </a:t>
+            </a:r>
+            <a:r>
+              <a:rPr lang="en-US" dirty="0" err="1"/>
+              <a:t>tkinter</a:t>
+            </a:r>
+            <a:endParaRPr lang="en-US" dirty="0"/>
+          </a:p>
+          <a:p>
+            <a:pPr lvl="1"/>
+            <a:r>
+              <a:rPr lang="en-US" dirty="0"/>
+              <a:t>from </a:t>
+            </a:r>
+            <a:r>
+              <a:rPr lang="en-US" dirty="0" err="1"/>
+              <a:t>tkinter</a:t>
+            </a:r>
+            <a:r>
+              <a:rPr lang="en-US" dirty="0"/>
+              <a:t> import DISABLED, </a:t>
+            </a:r>
+            <a:r>
+              <a:rPr lang="en-US" dirty="0" err="1"/>
+              <a:t>filedialog</a:t>
+            </a:r>
+            <a:endParaRPr lang="en-US" dirty="0"/>
+          </a:p>
+          <a:p>
+            <a:pPr lvl="1"/>
+            <a:r>
+              <a:rPr lang="en-US" dirty="0"/>
+              <a:t>from </a:t>
+            </a:r>
+            <a:r>
+              <a:rPr lang="en-US" dirty="0" err="1"/>
+              <a:t>tkinter.font</a:t>
+            </a:r>
+            <a:r>
+              <a:rPr lang="en-US" dirty="0"/>
+              <a:t> import NORMAL</a:t>
+            </a:r>
+          </a:p>
+          <a:p>
+            <a:pPr lvl="1"/>
+            <a:r>
+              <a:rPr lang="en-US" dirty="0"/>
+              <a:t>from </a:t>
+            </a:r>
+            <a:r>
+              <a:rPr lang="en-US" dirty="0" err="1"/>
+              <a:t>distutils.dir_util</a:t>
+            </a:r>
+            <a:r>
+              <a:rPr lang="en-US" dirty="0"/>
+              <a:t> import </a:t>
+            </a:r>
+            <a:r>
+              <a:rPr lang="en-US" dirty="0" err="1"/>
+              <a:t>copy_tree</a:t>
+            </a:r>
+            <a:r>
+              <a:rPr lang="en-US" dirty="0"/>
+              <a:t> as </a:t>
+            </a:r>
+            <a:r>
+              <a:rPr lang="en-US" dirty="0" err="1"/>
+              <a:t>ct</a:t>
+            </a:r>
+            <a:endParaRPr lang="en-US" dirty="0"/>
+          </a:p>
+          <a:p>
+            <a:pPr lvl="1"/>
+            <a:r>
+              <a:rPr lang="en-US" dirty="0"/>
+              <a:t>import </a:t>
+            </a:r>
+            <a:r>
+              <a:rPr lang="en-US" dirty="0" err="1"/>
+              <a:t>shutil</a:t>
+            </a:r>
+            <a:endParaRPr lang="en-US" dirty="0"/>
+          </a:p>
+          <a:p>
+            <a:pPr lvl="1"/>
+            <a:r>
+              <a:rPr lang="en-US" dirty="0"/>
+              <a:t>import </a:t>
+            </a:r>
+            <a:r>
+              <a:rPr lang="en-US" dirty="0" err="1"/>
+              <a:t>pyautogui</a:t>
+            </a:r>
+            <a:endParaRPr lang="en-US" dirty="0"/>
+          </a:p>
+          <a:p>
+            <a:pPr marL="457200" lvl="1" indent="0">
+              <a:buNone/>
+            </a:pPr>
+            <a:endParaRPr lang="en-US" dirty="0"/>
+          </a:p>
+        </p:txBody>
+      </p:sp>
+    </p:spTree>
+    <p:extLst>
+      <p:ext uri="{BB962C8B-B14F-4D97-AF65-F5344CB8AC3E}">
+        <p14:creationId xmlns:p14="http://schemas.microsoft.com/office/powerpoint/2010/main" val="4026801564"/>
+      </p:ext>
+    </p:extLst>
+  </p:cSld>
+  <p:clrMapOvr>
+    <a:masterClrMapping/>
+  </p:clrMapOvr>
+</p:sld>
+</file>
+
+<file path=ppt/slides/slide13.xml><?xml version="1.0" encoding="utf-8"?>
 <p:sld xmlns:a="http://schemas.openxmlformats.org/drawingml/2006/main" xmlns:r="http://schemas.openxmlformats.org/officeDocument/2006/relationships" xmlns:p="http://schemas.openxmlformats.org/presentationml/2006/main">
   <p:cSld>
     <p:spTree>
@@ -6650,7 +7075,7 @@
         <p:spPr/>
         <p:txBody>
           <a:bodyPr>
-            <a:normAutofit fontScale="92500" lnSpcReduction="10000"/>
+            <a:normAutofit fontScale="92500" lnSpcReduction="20000"/>
           </a:bodyPr>
           <a:lstStyle/>
           <a:p>
@@ -6661,6 +7086,10 @@
           </a:p>
           <a:p>
             <a:r>
+              <a:rPr lang="en-US" dirty="0"/>
+              <a:t>Input </a:t>
+            </a:r>
+            <a:r>
               <a:rPr lang="en-US" dirty="0" err="1"/>
               <a:t>Menggunakan</a:t>
             </a:r>
@@ -6843,6 +7272,64 @@
               <a:rPr lang="en-US" dirty="0" err="1"/>
               <a:t>Keluar</a:t>
             </a:r>
+            <a:endParaRPr lang="en-US" dirty="0"/>
+          </a:p>
+          <a:p>
+            <a:r>
+              <a:rPr lang="en-US" dirty="0"/>
+              <a:t>Output </a:t>
+            </a:r>
+            <a:r>
+              <a:rPr lang="en-US" dirty="0" err="1"/>
+              <a:t>berupa</a:t>
+            </a:r>
+            <a:r>
+              <a:rPr lang="en-US" dirty="0"/>
+              <a:t> </a:t>
+            </a:r>
+            <a:r>
+              <a:rPr lang="en-US" dirty="0" err="1"/>
+              <a:t>notifikasi</a:t>
+            </a:r>
+            <a:r>
+              <a:rPr lang="en-US" dirty="0"/>
+              <a:t> </a:t>
+            </a:r>
+            <a:r>
+              <a:rPr lang="en-US" dirty="0" err="1"/>
+              <a:t>berhasil</a:t>
+            </a:r>
+            <a:r>
+              <a:rPr lang="en-US" dirty="0"/>
+              <a:t> </a:t>
+            </a:r>
+            <a:r>
+              <a:rPr lang="en-US" dirty="0" err="1"/>
+              <a:t>atau</a:t>
+            </a:r>
+            <a:r>
+              <a:rPr lang="en-US" dirty="0"/>
+              <a:t> </a:t>
+            </a:r>
+            <a:r>
+              <a:rPr lang="en-US" dirty="0" err="1"/>
+              <a:t>gagal</a:t>
+            </a:r>
+            <a:r>
+              <a:rPr lang="en-US" dirty="0"/>
+              <a:t> </a:t>
+            </a:r>
+            <a:r>
+              <a:rPr lang="en-US" dirty="0" err="1"/>
+              <a:t>dengan</a:t>
+            </a:r>
+            <a:r>
+              <a:rPr lang="en-US" dirty="0"/>
+              <a:t> label</a:t>
+            </a:r>
+          </a:p>
+          <a:p>
+            <a:pPr lvl="1"/>
             <a:endParaRPr lang="en-US" dirty="0"/>
           </a:p>
         </p:txBody>
@@ -6851,6 +7338,989 @@
     <p:extLst>
       <p:ext uri="{BB962C8B-B14F-4D97-AF65-F5344CB8AC3E}">
         <p14:creationId xmlns:p14="http://schemas.microsoft.com/office/powerpoint/2010/main" val="2930367814"/>
+      </p:ext>
+    </p:extLst>
+  </p:cSld>
+  <p:clrMapOvr>
+    <a:masterClrMapping/>
+  </p:clrMapOvr>
+</p:sld>
+</file>
+
+<file path=ppt/slides/slide14.xml><?xml version="1.0" encoding="utf-8"?>
+<p:sld xmlns:a="http://schemas.openxmlformats.org/drawingml/2006/main" xmlns:r="http://schemas.openxmlformats.org/officeDocument/2006/relationships" xmlns:p="http://schemas.openxmlformats.org/presentationml/2006/main">
+  <p:cSld>
+    <p:spTree>
+      <p:nvGrpSpPr>
+        <p:cNvPr id="1" name=""/>
+        <p:cNvGrpSpPr/>
+        <p:nvPr/>
+      </p:nvGrpSpPr>
+      <p:grpSpPr>
+        <a:xfrm>
+          <a:off x="0" y="0"/>
+          <a:ext cx="0" cy="0"/>
+          <a:chOff x="0" y="0"/>
+          <a:chExt cx="0" cy="0"/>
+        </a:xfrm>
+      </p:grpSpPr>
+      <p:sp>
+        <p:nvSpPr>
+          <p:cNvPr id="2" name="Title 1">
+            <a:extLst>
+              <a:ext uri="{FF2B5EF4-FFF2-40B4-BE49-F238E27FC236}">
+                <a16:creationId xmlns:a16="http://schemas.microsoft.com/office/drawing/2014/main" id="{D6BEB268-55B2-6AFE-465D-9C74A456A564}"/>
+              </a:ext>
+            </a:extLst>
+          </p:cNvPr>
+          <p:cNvSpPr>
+            <a:spLocks noGrp="1"/>
+          </p:cNvSpPr>
+          <p:nvPr>
+            <p:ph type="title"/>
+          </p:nvPr>
+        </p:nvSpPr>
+        <p:spPr/>
+        <p:txBody>
+          <a:bodyPr/>
+          <a:lstStyle/>
+          <a:p>
+            <a:r>
+              <a:rPr lang="en-US" dirty="0" err="1"/>
+              <a:t>Penggunaan</a:t>
+            </a:r>
+            <a:r>
+              <a:rPr lang="en-US" dirty="0"/>
+              <a:t> </a:t>
+            </a:r>
+            <a:r>
+              <a:rPr lang="en-US" dirty="0" err="1"/>
+              <a:t>Paket</a:t>
+            </a:r>
+            <a:r>
+              <a:rPr lang="en-US" dirty="0"/>
+              <a:t> </a:t>
+            </a:r>
+            <a:r>
+              <a:rPr lang="en-US" dirty="0" err="1"/>
+              <a:t>pyautogui</a:t>
+            </a:r>
+            <a:endParaRPr lang="en-ID" dirty="0"/>
+          </a:p>
+        </p:txBody>
+      </p:sp>
+      <p:sp>
+        <p:nvSpPr>
+          <p:cNvPr id="3" name="Content Placeholder 2">
+            <a:extLst>
+              <a:ext uri="{FF2B5EF4-FFF2-40B4-BE49-F238E27FC236}">
+                <a16:creationId xmlns:a16="http://schemas.microsoft.com/office/drawing/2014/main" id="{106BAD78-BE35-2606-3071-A55EEC609590}"/>
+              </a:ext>
+            </a:extLst>
+          </p:cNvPr>
+          <p:cNvSpPr>
+            <a:spLocks noGrp="1"/>
+          </p:cNvSpPr>
+          <p:nvPr>
+            <p:ph idx="1"/>
+          </p:nvPr>
+        </p:nvSpPr>
+        <p:spPr/>
+        <p:txBody>
+          <a:bodyPr/>
+          <a:lstStyle/>
+          <a:p>
+            <a:r>
+              <a:rPr lang="en-US" dirty="0" err="1"/>
+              <a:t>Digunakan</a:t>
+            </a:r>
+            <a:r>
+              <a:rPr lang="en-US" dirty="0"/>
+              <a:t> </a:t>
+            </a:r>
+            <a:r>
+              <a:rPr lang="en-US" dirty="0" err="1"/>
+              <a:t>untuk</a:t>
+            </a:r>
+            <a:r>
+              <a:rPr lang="en-US" dirty="0"/>
+              <a:t> </a:t>
+            </a:r>
+            <a:r>
+              <a:rPr lang="en-US" dirty="0" err="1"/>
+              <a:t>menghitung</a:t>
+            </a:r>
+            <a:r>
+              <a:rPr lang="en-US" dirty="0"/>
+              <a:t> </a:t>
+            </a:r>
+            <a:r>
+              <a:rPr lang="en-US" dirty="0" err="1"/>
+              <a:t>besarnya</a:t>
+            </a:r>
+            <a:r>
+              <a:rPr lang="en-US" dirty="0"/>
+              <a:t> screen monitor</a:t>
+            </a:r>
+          </a:p>
+          <a:p>
+            <a:r>
+              <a:rPr lang="en-US" dirty="0"/>
+              <a:t>Hasil </a:t>
+            </a:r>
+            <a:r>
+              <a:rPr lang="en-US" dirty="0" err="1"/>
+              <a:t>penghitungan</a:t>
+            </a:r>
+            <a:r>
+              <a:rPr lang="en-US" dirty="0"/>
+              <a:t> </a:t>
+            </a:r>
+            <a:r>
+              <a:rPr lang="en-US" dirty="0" err="1"/>
+              <a:t>besarnya</a:t>
+            </a:r>
+            <a:r>
+              <a:rPr lang="en-US" dirty="0"/>
+              <a:t> screen agar </a:t>
+            </a:r>
+            <a:r>
+              <a:rPr lang="en-US" dirty="0" err="1"/>
+              <a:t>dapat</a:t>
+            </a:r>
+            <a:r>
+              <a:rPr lang="en-US" dirty="0"/>
+              <a:t> </a:t>
+            </a:r>
+            <a:r>
+              <a:rPr lang="en-US" dirty="0" err="1"/>
+              <a:t>menyesuaikan</a:t>
+            </a:r>
+            <a:r>
+              <a:rPr lang="en-US" dirty="0"/>
+              <a:t> </a:t>
+            </a:r>
+            <a:r>
+              <a:rPr lang="en-US" dirty="0" err="1"/>
+              <a:t>besar</a:t>
+            </a:r>
+            <a:r>
+              <a:rPr lang="en-US" dirty="0"/>
+              <a:t> form window </a:t>
+            </a:r>
+            <a:r>
+              <a:rPr lang="en-US" dirty="0" err="1"/>
+              <a:t>secara</a:t>
+            </a:r>
+            <a:r>
+              <a:rPr lang="en-US" dirty="0"/>
+              <a:t> </a:t>
+            </a:r>
+            <a:r>
+              <a:rPr lang="en-US" dirty="0" err="1"/>
+              <a:t>otomatis</a:t>
+            </a:r>
+            <a:endParaRPr lang="en-ID" dirty="0"/>
+          </a:p>
+        </p:txBody>
+      </p:sp>
+    </p:spTree>
+    <p:extLst>
+      <p:ext uri="{BB962C8B-B14F-4D97-AF65-F5344CB8AC3E}">
+        <p14:creationId xmlns:p14="http://schemas.microsoft.com/office/powerpoint/2010/main" val="4294617595"/>
+      </p:ext>
+    </p:extLst>
+  </p:cSld>
+  <p:clrMapOvr>
+    <a:masterClrMapping/>
+  </p:clrMapOvr>
+</p:sld>
+</file>
+
+<file path=ppt/slides/slide15.xml><?xml version="1.0" encoding="utf-8"?>
+<p:sld xmlns:a="http://schemas.openxmlformats.org/drawingml/2006/main" xmlns:r="http://schemas.openxmlformats.org/officeDocument/2006/relationships" xmlns:p="http://schemas.openxmlformats.org/presentationml/2006/main">
+  <p:cSld>
+    <p:spTree>
+      <p:nvGrpSpPr>
+        <p:cNvPr id="1" name=""/>
+        <p:cNvGrpSpPr/>
+        <p:nvPr/>
+      </p:nvGrpSpPr>
+      <p:grpSpPr>
+        <a:xfrm>
+          <a:off x="0" y="0"/>
+          <a:ext cx="0" cy="0"/>
+          <a:chOff x="0" y="0"/>
+          <a:chExt cx="0" cy="0"/>
+        </a:xfrm>
+      </p:grpSpPr>
+      <p:sp>
+        <p:nvSpPr>
+          <p:cNvPr id="2" name="Title 1">
+            <a:extLst>
+              <a:ext uri="{FF2B5EF4-FFF2-40B4-BE49-F238E27FC236}">
+                <a16:creationId xmlns:a16="http://schemas.microsoft.com/office/drawing/2014/main" id="{2AF7F83E-5E25-BB4A-B545-55B2201D0EE5}"/>
+              </a:ext>
+            </a:extLst>
+          </p:cNvPr>
+          <p:cNvSpPr>
+            <a:spLocks noGrp="1"/>
+          </p:cNvSpPr>
+          <p:nvPr>
+            <p:ph type="title"/>
+          </p:nvPr>
+        </p:nvSpPr>
+        <p:spPr/>
+        <p:txBody>
+          <a:bodyPr/>
+          <a:lstStyle/>
+          <a:p>
+            <a:r>
+              <a:rPr lang="en-US" dirty="0" err="1"/>
+              <a:t>Fungsi</a:t>
+            </a:r>
+            <a:r>
+              <a:rPr lang="en-US" dirty="0"/>
+              <a:t> utama yang </a:t>
+            </a:r>
+            <a:r>
+              <a:rPr lang="en-US" dirty="0" err="1"/>
+              <a:t>digunakan</a:t>
+            </a:r>
+            <a:r>
+              <a:rPr lang="en-US" dirty="0"/>
+              <a:t> </a:t>
+            </a:r>
+            <a:r>
+              <a:rPr lang="en-US" dirty="0" err="1"/>
+              <a:t>untuk</a:t>
+            </a:r>
+            <a:r>
+              <a:rPr lang="en-US" dirty="0"/>
+              <a:t> </a:t>
+            </a:r>
+            <a:r>
+              <a:rPr lang="en-US" dirty="0" err="1"/>
+              <a:t>Membackup</a:t>
+            </a:r>
+            <a:endParaRPr lang="en-US" dirty="0"/>
+          </a:p>
+        </p:txBody>
+      </p:sp>
+      <p:sp>
+        <p:nvSpPr>
+          <p:cNvPr id="3" name="Content Placeholder 2">
+            <a:extLst>
+              <a:ext uri="{FF2B5EF4-FFF2-40B4-BE49-F238E27FC236}">
+                <a16:creationId xmlns:a16="http://schemas.microsoft.com/office/drawing/2014/main" id="{2FA6EDC4-2993-067A-C186-EFE4D136527F}"/>
+              </a:ext>
+            </a:extLst>
+          </p:cNvPr>
+          <p:cNvSpPr>
+            <a:spLocks noGrp="1"/>
+          </p:cNvSpPr>
+          <p:nvPr>
+            <p:ph idx="1"/>
+          </p:nvPr>
+        </p:nvSpPr>
+        <p:spPr/>
+        <p:txBody>
+          <a:bodyPr/>
+          <a:lstStyle/>
+          <a:p>
+            <a:r>
+              <a:rPr lang="en-US" dirty="0"/>
+              <a:t>Copy tree </a:t>
+            </a:r>
+            <a:r>
+              <a:rPr lang="en-US" dirty="0" err="1"/>
+              <a:t>untuk</a:t>
+            </a:r>
+            <a:r>
+              <a:rPr lang="en-US" dirty="0"/>
+              <a:t> </a:t>
+            </a:r>
+            <a:r>
+              <a:rPr lang="en-US" dirty="0" err="1"/>
+              <a:t>mengcopy</a:t>
+            </a:r>
+            <a:r>
+              <a:rPr lang="en-US" dirty="0"/>
+              <a:t> folder</a:t>
+            </a:r>
+          </a:p>
+          <a:p>
+            <a:pPr lvl="1"/>
+            <a:r>
+              <a:rPr lang="en-US" dirty="0" err="1"/>
+              <a:t>ct</a:t>
+            </a:r>
+            <a:r>
+              <a:rPr lang="en-US" dirty="0"/>
+              <a:t>(</a:t>
+            </a:r>
+            <a:r>
+              <a:rPr lang="en-US" dirty="0" err="1"/>
+              <a:t>src</a:t>
+            </a:r>
+            <a:r>
+              <a:rPr lang="en-US" dirty="0"/>
+              <a:t>, </a:t>
+            </a:r>
+            <a:r>
+              <a:rPr lang="en-US" dirty="0" err="1"/>
+              <a:t>dest</a:t>
+            </a:r>
+            <a:r>
+              <a:rPr lang="en-US" dirty="0"/>
+              <a:t>, verbose=1)</a:t>
+            </a:r>
+          </a:p>
+          <a:p>
+            <a:r>
+              <a:rPr lang="en-US" dirty="0"/>
+              <a:t>Shutil.Copy2(</a:t>
+            </a:r>
+            <a:r>
+              <a:rPr lang="en-US" dirty="0" err="1"/>
+              <a:t>source,destination</a:t>
+            </a:r>
+            <a:r>
+              <a:rPr lang="en-US" dirty="0"/>
+              <a:t>) </a:t>
+            </a:r>
+            <a:r>
+              <a:rPr lang="en-US" dirty="0" err="1"/>
+              <a:t>untuk</a:t>
+            </a:r>
+            <a:r>
+              <a:rPr lang="en-US" dirty="0"/>
+              <a:t> </a:t>
+            </a:r>
+            <a:r>
+              <a:rPr lang="en-US" dirty="0" err="1"/>
+              <a:t>mengcopy</a:t>
+            </a:r>
+            <a:r>
+              <a:rPr lang="en-US" dirty="0"/>
+              <a:t> file</a:t>
+            </a:r>
+          </a:p>
+          <a:p>
+            <a:pPr lvl="1"/>
+            <a:r>
+              <a:rPr lang="en-US" dirty="0"/>
+              <a:t>shutil.copy2(</a:t>
+            </a:r>
+            <a:r>
+              <a:rPr lang="en-US" dirty="0" err="1"/>
+              <a:t>filepath</a:t>
+            </a:r>
+            <a:r>
+              <a:rPr lang="en-US" dirty="0"/>
+              <a:t>, </a:t>
+            </a:r>
+            <a:r>
+              <a:rPr lang="en-US" dirty="0" err="1"/>
+              <a:t>despath</a:t>
+            </a:r>
+            <a:r>
+              <a:rPr lang="en-US" dirty="0"/>
+              <a:t>)</a:t>
+            </a:r>
+          </a:p>
+        </p:txBody>
+      </p:sp>
+    </p:spTree>
+    <p:extLst>
+      <p:ext uri="{BB962C8B-B14F-4D97-AF65-F5344CB8AC3E}">
+        <p14:creationId xmlns:p14="http://schemas.microsoft.com/office/powerpoint/2010/main" val="1519041456"/>
+      </p:ext>
+    </p:extLst>
+  </p:cSld>
+  <p:clrMapOvr>
+    <a:masterClrMapping/>
+  </p:clrMapOvr>
+</p:sld>
+</file>
+
+<file path=ppt/slides/slide16.xml><?xml version="1.0" encoding="utf-8"?>
+<p:sld xmlns:a="http://schemas.openxmlformats.org/drawingml/2006/main" xmlns:r="http://schemas.openxmlformats.org/officeDocument/2006/relationships" xmlns:p="http://schemas.openxmlformats.org/presentationml/2006/main">
+  <p:cSld>
+    <p:spTree>
+      <p:nvGrpSpPr>
+        <p:cNvPr id="1" name=""/>
+        <p:cNvGrpSpPr/>
+        <p:nvPr/>
+      </p:nvGrpSpPr>
+      <p:grpSpPr>
+        <a:xfrm>
+          <a:off x="0" y="0"/>
+          <a:ext cx="0" cy="0"/>
+          <a:chOff x="0" y="0"/>
+          <a:chExt cx="0" cy="0"/>
+        </a:xfrm>
+      </p:grpSpPr>
+      <p:sp>
+        <p:nvSpPr>
+          <p:cNvPr id="2" name="Title 1">
+            <a:extLst>
+              <a:ext uri="{FF2B5EF4-FFF2-40B4-BE49-F238E27FC236}">
+                <a16:creationId xmlns:a16="http://schemas.microsoft.com/office/drawing/2014/main" id="{04DDCA0C-4F6C-A3DE-57F0-3758B1247555}"/>
+              </a:ext>
+            </a:extLst>
+          </p:cNvPr>
+          <p:cNvSpPr>
+            <a:spLocks noGrp="1"/>
+          </p:cNvSpPr>
+          <p:nvPr>
+            <p:ph type="title"/>
+          </p:nvPr>
+        </p:nvSpPr>
+        <p:spPr/>
+        <p:txBody>
+          <a:bodyPr/>
+          <a:lstStyle/>
+          <a:p>
+            <a:r>
+              <a:rPr lang="en-US" dirty="0" err="1"/>
+              <a:t>Fungsi</a:t>
+            </a:r>
+            <a:r>
+              <a:rPr lang="en-US" dirty="0"/>
+              <a:t> yang </a:t>
+            </a:r>
+            <a:r>
+              <a:rPr lang="en-US" dirty="0" err="1"/>
+              <a:t>dibuat</a:t>
+            </a:r>
+            <a:endParaRPr lang="en-ID" dirty="0"/>
+          </a:p>
+        </p:txBody>
+      </p:sp>
+      <p:sp>
+        <p:nvSpPr>
+          <p:cNvPr id="3" name="Content Placeholder 2">
+            <a:extLst>
+              <a:ext uri="{FF2B5EF4-FFF2-40B4-BE49-F238E27FC236}">
+                <a16:creationId xmlns:a16="http://schemas.microsoft.com/office/drawing/2014/main" id="{1044B9D6-AFE1-AF1E-9FD3-A9A372862175}"/>
+              </a:ext>
+            </a:extLst>
+          </p:cNvPr>
+          <p:cNvSpPr>
+            <a:spLocks noGrp="1"/>
+          </p:cNvSpPr>
+          <p:nvPr>
+            <p:ph idx="1"/>
+          </p:nvPr>
+        </p:nvSpPr>
+        <p:spPr/>
+        <p:txBody>
+          <a:bodyPr>
+            <a:normAutofit fontScale="55000" lnSpcReduction="20000"/>
+          </a:bodyPr>
+          <a:lstStyle/>
+          <a:p>
+            <a:r>
+              <a:rPr lang="en-ID" dirty="0" err="1"/>
+              <a:t>awal</a:t>
+            </a:r>
+            <a:r>
+              <a:rPr lang="en-ID" dirty="0"/>
+              <a:t>()</a:t>
+            </a:r>
+          </a:p>
+          <a:p>
+            <a:r>
+              <a:rPr lang="en-ID" dirty="0" err="1"/>
+              <a:t>batal</a:t>
+            </a:r>
+            <a:r>
+              <a:rPr lang="en-ID" dirty="0"/>
+              <a:t>()</a:t>
+            </a:r>
+          </a:p>
+          <a:p>
+            <a:r>
+              <a:rPr lang="en-ID" dirty="0"/>
+              <a:t>batal1()</a:t>
+            </a:r>
+          </a:p>
+          <a:p>
+            <a:r>
+              <a:rPr lang="en-ID" dirty="0" err="1"/>
+              <a:t>bekap</a:t>
+            </a:r>
+            <a:r>
+              <a:rPr lang="en-ID" dirty="0"/>
+              <a:t>()</a:t>
+            </a:r>
+          </a:p>
+          <a:p>
+            <a:r>
+              <a:rPr lang="en-ID" dirty="0" err="1"/>
+              <a:t>bekap_berhasil</a:t>
+            </a:r>
+            <a:r>
+              <a:rPr lang="en-ID" dirty="0"/>
+              <a:t>()</a:t>
+            </a:r>
+          </a:p>
+          <a:p>
+            <a:r>
+              <a:rPr lang="en-ID" dirty="0" err="1"/>
+              <a:t>bekap_gagal</a:t>
+            </a:r>
+            <a:r>
+              <a:rPr lang="en-ID" dirty="0"/>
+              <a:t>()</a:t>
+            </a:r>
+          </a:p>
+          <a:p>
+            <a:r>
+              <a:rPr lang="en-ID" dirty="0" err="1"/>
+              <a:t>bekapf</a:t>
+            </a:r>
+            <a:r>
+              <a:rPr lang="en-ID" dirty="0"/>
+              <a:t>()</a:t>
+            </a:r>
+          </a:p>
+          <a:p>
+            <a:r>
+              <a:rPr lang="en-ID" dirty="0" err="1"/>
+              <a:t>bekapf_berhasil</a:t>
+            </a:r>
+            <a:r>
+              <a:rPr lang="en-ID" dirty="0"/>
+              <a:t>()</a:t>
+            </a:r>
+          </a:p>
+          <a:p>
+            <a:r>
+              <a:rPr lang="en-ID" dirty="0" err="1"/>
+              <a:t>bekapf_gagal</a:t>
+            </a:r>
+            <a:r>
+              <a:rPr lang="en-ID" dirty="0"/>
+              <a:t>()</a:t>
+            </a:r>
+          </a:p>
+          <a:p>
+            <a:r>
+              <a:rPr lang="en-ID" dirty="0"/>
+              <a:t>reset()</a:t>
+            </a:r>
+          </a:p>
+          <a:p>
+            <a:r>
+              <a:rPr lang="en-ID" dirty="0" err="1"/>
+              <a:t>namafile</a:t>
+            </a:r>
+            <a:r>
+              <a:rPr lang="en-ID" dirty="0"/>
+              <a:t>()</a:t>
+            </a:r>
+          </a:p>
+          <a:p>
+            <a:r>
+              <a:rPr lang="en-ID" dirty="0" err="1"/>
+              <a:t>namadir</a:t>
+            </a:r>
+            <a:r>
+              <a:rPr lang="en-ID" dirty="0"/>
+              <a:t>()</a:t>
+            </a:r>
+          </a:p>
+          <a:p>
+            <a:r>
+              <a:rPr lang="en-ID" dirty="0"/>
+              <a:t>namadir1()</a:t>
+            </a:r>
+          </a:p>
+          <a:p>
+            <a:r>
+              <a:rPr lang="en-ID" dirty="0"/>
+              <a:t>namadir2()</a:t>
+            </a:r>
+          </a:p>
+        </p:txBody>
+      </p:sp>
+    </p:spTree>
+    <p:extLst>
+      <p:ext uri="{BB962C8B-B14F-4D97-AF65-F5344CB8AC3E}">
+        <p14:creationId xmlns:p14="http://schemas.microsoft.com/office/powerpoint/2010/main" val="4018984022"/>
+      </p:ext>
+    </p:extLst>
+  </p:cSld>
+  <p:clrMapOvr>
+    <a:masterClrMapping/>
+  </p:clrMapOvr>
+</p:sld>
+</file>
+
+<file path=ppt/slides/slide17.xml><?xml version="1.0" encoding="utf-8"?>
+<p:sld xmlns:a="http://schemas.openxmlformats.org/drawingml/2006/main" xmlns:r="http://schemas.openxmlformats.org/officeDocument/2006/relationships" xmlns:p="http://schemas.openxmlformats.org/presentationml/2006/main">
+  <p:cSld>
+    <p:spTree>
+      <p:nvGrpSpPr>
+        <p:cNvPr id="1" name=""/>
+        <p:cNvGrpSpPr/>
+        <p:nvPr/>
+      </p:nvGrpSpPr>
+      <p:grpSpPr>
+        <a:xfrm>
+          <a:off x="0" y="0"/>
+          <a:ext cx="0" cy="0"/>
+          <a:chOff x="0" y="0"/>
+          <a:chExt cx="0" cy="0"/>
+        </a:xfrm>
+      </p:grpSpPr>
+      <p:sp>
+        <p:nvSpPr>
+          <p:cNvPr id="2" name="Title 1">
+            <a:extLst>
+              <a:ext uri="{FF2B5EF4-FFF2-40B4-BE49-F238E27FC236}">
+                <a16:creationId xmlns:a16="http://schemas.microsoft.com/office/drawing/2014/main" id="{DC580456-9506-EF37-D9B7-9D2C97A9934A}"/>
+              </a:ext>
+            </a:extLst>
+          </p:cNvPr>
+          <p:cNvSpPr>
+            <a:spLocks noGrp="1"/>
+          </p:cNvSpPr>
+          <p:nvPr>
+            <p:ph type="title"/>
+          </p:nvPr>
+        </p:nvSpPr>
+        <p:spPr/>
+        <p:txBody>
+          <a:bodyPr/>
+          <a:lstStyle/>
+          <a:p>
+            <a:r>
+              <a:rPr lang="en-US" dirty="0" err="1"/>
+              <a:t>Compilasi</a:t>
+            </a:r>
+            <a:r>
+              <a:rPr lang="en-US" dirty="0"/>
+              <a:t> file python </a:t>
+            </a:r>
+            <a:r>
+              <a:rPr lang="en-US" dirty="0" err="1"/>
+              <a:t>ke</a:t>
+            </a:r>
+            <a:r>
+              <a:rPr lang="en-US" dirty="0"/>
+              <a:t> file exe</a:t>
+            </a:r>
+            <a:endParaRPr lang="en-ID" dirty="0"/>
+          </a:p>
+        </p:txBody>
+      </p:sp>
+      <p:sp>
+        <p:nvSpPr>
+          <p:cNvPr id="3" name="Content Placeholder 2">
+            <a:extLst>
+              <a:ext uri="{FF2B5EF4-FFF2-40B4-BE49-F238E27FC236}">
+                <a16:creationId xmlns:a16="http://schemas.microsoft.com/office/drawing/2014/main" id="{CD96B154-EC82-FAB6-6FD9-BA3603418118}"/>
+              </a:ext>
+            </a:extLst>
+          </p:cNvPr>
+          <p:cNvSpPr>
+            <a:spLocks noGrp="1"/>
+          </p:cNvSpPr>
+          <p:nvPr>
+            <p:ph idx="1"/>
+          </p:nvPr>
+        </p:nvSpPr>
+        <p:spPr/>
+        <p:txBody>
+          <a:bodyPr/>
+          <a:lstStyle/>
+          <a:p>
+            <a:r>
+              <a:rPr lang="en-US" dirty="0"/>
+              <a:t>File python di </a:t>
+            </a:r>
+            <a:r>
+              <a:rPr lang="en-US" dirty="0" err="1"/>
+              <a:t>compilasi</a:t>
+            </a:r>
+            <a:r>
+              <a:rPr lang="en-US" dirty="0"/>
+              <a:t> </a:t>
+            </a:r>
+            <a:r>
+              <a:rPr lang="en-US" dirty="0" err="1"/>
+              <a:t>ke</a:t>
+            </a:r>
+            <a:r>
+              <a:rPr lang="en-US" dirty="0"/>
+              <a:t> </a:t>
+            </a:r>
+            <a:r>
+              <a:rPr lang="en-US" dirty="0" err="1"/>
+              <a:t>bentuk</a:t>
+            </a:r>
+            <a:r>
+              <a:rPr lang="en-US" dirty="0"/>
+              <a:t> file exe </a:t>
+            </a:r>
+            <a:r>
+              <a:rPr lang="en-US" dirty="0" err="1"/>
+              <a:t>dengan</a:t>
+            </a:r>
+            <a:r>
+              <a:rPr lang="en-US" dirty="0"/>
+              <a:t> </a:t>
+            </a:r>
+            <a:r>
+              <a:rPr lang="en-US" dirty="0" err="1"/>
+              <a:t>menggunakan</a:t>
+            </a:r>
+            <a:endParaRPr lang="en-US" dirty="0"/>
+          </a:p>
+          <a:p>
+            <a:r>
+              <a:rPr lang="en-US" dirty="0" err="1"/>
+              <a:t>Paket</a:t>
+            </a:r>
+            <a:r>
+              <a:rPr lang="en-US" dirty="0"/>
+              <a:t> </a:t>
+            </a:r>
+            <a:r>
+              <a:rPr lang="en-US" dirty="0" err="1"/>
+              <a:t>pyinstaller</a:t>
+            </a:r>
+            <a:endParaRPr lang="en-US" dirty="0"/>
+          </a:p>
+          <a:p>
+            <a:r>
+              <a:rPr lang="en-US" dirty="0" err="1"/>
+              <a:t>Pyinstaller</a:t>
+            </a:r>
+            <a:r>
+              <a:rPr lang="en-US" dirty="0"/>
+              <a:t> </a:t>
+            </a:r>
+            <a:r>
+              <a:rPr lang="en-US" dirty="0" err="1"/>
+              <a:t>Terlebih</a:t>
+            </a:r>
+            <a:r>
+              <a:rPr lang="en-US" dirty="0"/>
+              <a:t> </a:t>
+            </a:r>
+            <a:r>
+              <a:rPr lang="en-US" dirty="0" err="1"/>
+              <a:t>dahulu</a:t>
+            </a:r>
+            <a:r>
+              <a:rPr lang="en-US" dirty="0"/>
+              <a:t> </a:t>
+            </a:r>
+            <a:r>
+              <a:rPr lang="en-US" dirty="0" err="1"/>
+              <a:t>diinstall</a:t>
+            </a:r>
+            <a:endParaRPr lang="en-US" dirty="0"/>
+          </a:p>
+          <a:p>
+            <a:pPr lvl="1"/>
+            <a:r>
+              <a:rPr lang="en-US" dirty="0"/>
+              <a:t>pip install </a:t>
+            </a:r>
+            <a:r>
+              <a:rPr lang="en-US" dirty="0" err="1"/>
+              <a:t>pyinstaller</a:t>
+            </a:r>
+            <a:endParaRPr lang="en-US" dirty="0"/>
+          </a:p>
+          <a:p>
+            <a:r>
+              <a:rPr lang="en-ID" dirty="0" err="1"/>
+              <a:t>Ubah</a:t>
+            </a:r>
+            <a:r>
+              <a:rPr lang="en-ID" dirty="0"/>
+              <a:t> </a:t>
+            </a:r>
+            <a:r>
+              <a:rPr lang="en-ID" dirty="0" err="1"/>
+              <a:t>direktori</a:t>
+            </a:r>
+            <a:r>
+              <a:rPr lang="en-ID" dirty="0"/>
+              <a:t> </a:t>
+            </a:r>
+            <a:r>
+              <a:rPr lang="en-ID" dirty="0" err="1"/>
+              <a:t>dalam</a:t>
+            </a:r>
+            <a:r>
+              <a:rPr lang="en-ID" dirty="0"/>
+              <a:t> windows command prompt </a:t>
+            </a:r>
+            <a:r>
+              <a:rPr lang="en-ID" dirty="0" err="1"/>
+              <a:t>ke</a:t>
+            </a:r>
+            <a:r>
+              <a:rPr lang="en-ID" dirty="0"/>
+              <a:t> </a:t>
+            </a:r>
+            <a:r>
+              <a:rPr lang="en-ID" dirty="0" err="1"/>
+              <a:t>tempat</a:t>
+            </a:r>
+            <a:r>
+              <a:rPr lang="en-ID" dirty="0"/>
+              <a:t> file python </a:t>
+            </a:r>
+            <a:r>
+              <a:rPr lang="en-ID" dirty="0" err="1"/>
+              <a:t>disimpan</a:t>
+            </a:r>
+            <a:endParaRPr lang="en-ID" dirty="0"/>
+          </a:p>
+          <a:p>
+            <a:r>
+              <a:rPr lang="en-ID" dirty="0" err="1"/>
+              <a:t>Eksekusi</a:t>
+            </a:r>
+            <a:r>
+              <a:rPr lang="en-ID" dirty="0"/>
+              <a:t> </a:t>
+            </a:r>
+            <a:r>
+              <a:rPr lang="en-ID" dirty="0" err="1"/>
+              <a:t>perintah</a:t>
+            </a:r>
+            <a:r>
+              <a:rPr lang="en-ID" dirty="0"/>
+              <a:t> </a:t>
+            </a:r>
+            <a:r>
+              <a:rPr lang="en-ID" dirty="0" err="1"/>
+              <a:t>untuk</a:t>
+            </a:r>
+            <a:r>
+              <a:rPr lang="en-ID" dirty="0"/>
+              <a:t> </a:t>
+            </a:r>
+            <a:r>
+              <a:rPr lang="en-ID" dirty="0" err="1"/>
+              <a:t>mengkompilasi</a:t>
+            </a:r>
+            <a:r>
+              <a:rPr lang="en-ID" dirty="0"/>
+              <a:t> file python</a:t>
+            </a:r>
+          </a:p>
+          <a:p>
+            <a:pPr lvl="1"/>
+            <a:r>
+              <a:rPr lang="en-ID" dirty="0" err="1"/>
+              <a:t>pyinstaller</a:t>
+            </a:r>
+            <a:r>
+              <a:rPr lang="en-ID" dirty="0"/>
+              <a:t> --</a:t>
+            </a:r>
+            <a:r>
+              <a:rPr lang="en-ID" dirty="0" err="1"/>
+              <a:t>onefile</a:t>
+            </a:r>
+            <a:r>
+              <a:rPr lang="en-ID" dirty="0"/>
+              <a:t> </a:t>
+            </a:r>
+            <a:r>
+              <a:rPr lang="en-US" dirty="0"/>
+              <a:t>GroupR_backup_tkinter_1.py</a:t>
+            </a:r>
+            <a:endParaRPr lang="en-ID" dirty="0"/>
+          </a:p>
+        </p:txBody>
+      </p:sp>
+    </p:spTree>
+    <p:extLst>
+      <p:ext uri="{BB962C8B-B14F-4D97-AF65-F5344CB8AC3E}">
+        <p14:creationId xmlns:p14="http://schemas.microsoft.com/office/powerpoint/2010/main" val="815326650"/>
+      </p:ext>
+    </p:extLst>
+  </p:cSld>
+  <p:clrMapOvr>
+    <a:masterClrMapping/>
+  </p:clrMapOvr>
+</p:sld>
+</file>
+
+<file path=ppt/slides/slide18.xml><?xml version="1.0" encoding="utf-8"?>
+<p:sld xmlns:a="http://schemas.openxmlformats.org/drawingml/2006/main" xmlns:r="http://schemas.openxmlformats.org/officeDocument/2006/relationships" xmlns:p="http://schemas.openxmlformats.org/presentationml/2006/main">
+  <p:cSld>
+    <p:spTree>
+      <p:nvGrpSpPr>
+        <p:cNvPr id="1" name=""/>
+        <p:cNvGrpSpPr/>
+        <p:nvPr/>
+      </p:nvGrpSpPr>
+      <p:grpSpPr>
+        <a:xfrm>
+          <a:off x="0" y="0"/>
+          <a:ext cx="0" cy="0"/>
+          <a:chOff x="0" y="0"/>
+          <a:chExt cx="0" cy="0"/>
+        </a:xfrm>
+      </p:grpSpPr>
+      <p:sp>
+        <p:nvSpPr>
+          <p:cNvPr id="2" name="Title 1">
+            <a:extLst>
+              <a:ext uri="{FF2B5EF4-FFF2-40B4-BE49-F238E27FC236}">
+                <a16:creationId xmlns:a16="http://schemas.microsoft.com/office/drawing/2014/main" id="{FB1D9092-A174-9596-DA88-A828D9B29000}"/>
+              </a:ext>
+            </a:extLst>
+          </p:cNvPr>
+          <p:cNvSpPr>
+            <a:spLocks noGrp="1"/>
+          </p:cNvSpPr>
+          <p:nvPr>
+            <p:ph type="title"/>
+          </p:nvPr>
+        </p:nvSpPr>
+        <p:spPr>
+          <a:xfrm>
+            <a:off x="838200" y="365125"/>
+            <a:ext cx="10515600" cy="5874310"/>
+          </a:xfrm>
+        </p:spPr>
+        <p:txBody>
+          <a:bodyPr/>
+          <a:lstStyle/>
+          <a:p>
+            <a:pPr algn="ctr"/>
+            <a:r>
+              <a:rPr lang="en-US" sz="9600" dirty="0" err="1"/>
+              <a:t>Terima</a:t>
+            </a:r>
+            <a:r>
+              <a:rPr lang="en-US" sz="9600" dirty="0"/>
+              <a:t> Kasih</a:t>
+            </a:r>
+            <a:br>
+              <a:rPr lang="en-US" dirty="0"/>
+            </a:br>
+            <a:endParaRPr lang="en-ID" dirty="0"/>
+          </a:p>
+        </p:txBody>
+      </p:sp>
+    </p:spTree>
+    <p:extLst>
+      <p:ext uri="{BB962C8B-B14F-4D97-AF65-F5344CB8AC3E}">
+        <p14:creationId xmlns:p14="http://schemas.microsoft.com/office/powerpoint/2010/main" val="2278934846"/>
       </p:ext>
     </p:extLst>
   </p:cSld>
@@ -7315,7 +8785,7 @@
             </a:r>
             <a:r>
               <a:rPr lang="en-US" dirty="0"/>
-              <a:t> text</a:t>
+              <a:t> text/cli</a:t>
             </a:r>
           </a:p>
           <a:p>
@@ -7761,7 +9231,7 @@
           <a:p>
             <a:r>
               <a:rPr lang="en-US" dirty="0"/>
-              <a:t>Mode Text</a:t>
+              <a:t>Mode Text/cli</a:t>
             </a:r>
             <a:endParaRPr lang="en-ID" dirty="0"/>
           </a:p>
@@ -7841,10 +9311,10 @@
       </p:sp>
       <p:pic>
         <p:nvPicPr>
-          <p:cNvPr id="11" name="Content Placeholder 10">
+          <p:cNvPr id="7" name="Content Placeholder 6">
             <a:extLst>
               <a:ext uri="{FF2B5EF4-FFF2-40B4-BE49-F238E27FC236}">
-                <a16:creationId xmlns:a16="http://schemas.microsoft.com/office/drawing/2014/main" id="{65746056-2D96-ADD2-AFE8-13ACCD806FCD}"/>
+                <a16:creationId xmlns:a16="http://schemas.microsoft.com/office/drawing/2014/main" id="{8C6DDCED-40C0-47D1-FE7D-2CD474FA063C}"/>
               </a:ext>
             </a:extLst>
           </p:cNvPr>
@@ -7869,8 +9339,8 @@
         </p:blipFill>
         <p:spPr>
           <a:xfrm>
-            <a:off x="6250009" y="3203597"/>
-            <a:ext cx="3938289" cy="2070415"/>
+            <a:off x="6172200" y="2626598"/>
+            <a:ext cx="5183188" cy="3441541"/>
           </a:xfrm>
         </p:spPr>
       </p:pic>
@@ -7909,7 +9379,7 @@
           <p:cNvPr id="2" name="Title 1">
             <a:extLst>
               <a:ext uri="{FF2B5EF4-FFF2-40B4-BE49-F238E27FC236}">
-                <a16:creationId xmlns:a16="http://schemas.microsoft.com/office/drawing/2014/main" id="{1BAE74A9-B6A0-8222-967F-CE56E2056E0C}"/>
+                <a16:creationId xmlns:a16="http://schemas.microsoft.com/office/drawing/2014/main" id="{B35138C8-EE8F-3E22-CED3-4178B5E8A430}"/>
               </a:ext>
             </a:extLst>
           </p:cNvPr>
@@ -7927,13 +9397,9 @@
           <a:p>
             <a:r>
               <a:rPr lang="en-US" dirty="0"/>
-              <a:t>Mode text--</a:t>
-            </a:r>
-            <a:r>
-              <a:rPr lang="en-US" dirty="0" err="1"/>
-              <a:t>Gede</a:t>
-            </a:r>
-            <a:endParaRPr lang="en-US" dirty="0"/>
+              <a:t>Mode text/cli</a:t>
+            </a:r>
+            <a:endParaRPr lang="en-ID" dirty="0"/>
           </a:p>
         </p:txBody>
       </p:sp>
@@ -7942,7 +9408,7 @@
           <p:cNvPr id="3" name="Content Placeholder 2">
             <a:extLst>
               <a:ext uri="{FF2B5EF4-FFF2-40B4-BE49-F238E27FC236}">
-                <a16:creationId xmlns:a16="http://schemas.microsoft.com/office/drawing/2014/main" id="{57BC0BEC-DEEF-BC3B-F1A6-760CAA7655D3}"/>
+                <a16:creationId xmlns:a16="http://schemas.microsoft.com/office/drawing/2014/main" id="{611AEAC4-36B0-8439-D8C2-67F39BD86D1D}"/>
               </a:ext>
             </a:extLst>
           </p:cNvPr>
@@ -7958,14 +9424,124 @@
           <a:bodyPr/>
           <a:lstStyle/>
           <a:p>
-            <a:endParaRPr lang="en-US"/>
+            <a:r>
+              <a:rPr lang="en-US" dirty="0" err="1"/>
+              <a:t>Paket</a:t>
+            </a:r>
+            <a:r>
+              <a:rPr lang="en-US" dirty="0"/>
+              <a:t>/</a:t>
+            </a:r>
+            <a:r>
+              <a:rPr lang="en-US" dirty="0" err="1"/>
+              <a:t>modul</a:t>
+            </a:r>
+            <a:r>
+              <a:rPr lang="en-US" dirty="0"/>
+              <a:t> yang di </a:t>
+            </a:r>
+            <a:r>
+              <a:rPr lang="en-US" dirty="0" err="1"/>
+              <a:t>sertakan</a:t>
+            </a:r>
+            <a:endParaRPr lang="en-US" dirty="0"/>
+          </a:p>
+          <a:p>
+            <a:r>
+              <a:rPr lang="en-US" dirty="0" err="1"/>
+              <a:t>Atribut</a:t>
+            </a:r>
+            <a:r>
+              <a:rPr lang="en-US" dirty="0"/>
+              <a:t>/</a:t>
+            </a:r>
+            <a:r>
+              <a:rPr lang="en-US" dirty="0" err="1"/>
+              <a:t>elemen</a:t>
+            </a:r>
+            <a:r>
+              <a:rPr lang="en-US" dirty="0"/>
+              <a:t> Yang </a:t>
+            </a:r>
+            <a:r>
+              <a:rPr lang="en-US" dirty="0" err="1"/>
+              <a:t>digunakan</a:t>
+            </a:r>
+            <a:endParaRPr lang="en-US" dirty="0"/>
+          </a:p>
+          <a:p>
+            <a:r>
+              <a:rPr lang="en-US" dirty="0" err="1"/>
+              <a:t>Fungsi</a:t>
+            </a:r>
+            <a:r>
+              <a:rPr lang="en-US" dirty="0"/>
+              <a:t> </a:t>
+            </a:r>
+            <a:r>
+              <a:rPr lang="en-US" dirty="0" err="1"/>
+              <a:t>utama</a:t>
+            </a:r>
+            <a:r>
+              <a:rPr lang="en-US" dirty="0"/>
+              <a:t> yang </a:t>
+            </a:r>
+            <a:r>
+              <a:rPr lang="en-US" dirty="0" err="1"/>
+              <a:t>digunakan</a:t>
+            </a:r>
+            <a:r>
+              <a:rPr lang="en-US" dirty="0"/>
+              <a:t> </a:t>
+            </a:r>
+            <a:r>
+              <a:rPr lang="en-US" dirty="0" err="1"/>
+              <a:t>untuk</a:t>
+            </a:r>
+            <a:r>
+              <a:rPr lang="en-US" dirty="0"/>
+              <a:t> </a:t>
+            </a:r>
+            <a:r>
+              <a:rPr lang="en-US" dirty="0" err="1"/>
+              <a:t>Membackup</a:t>
+            </a:r>
+            <a:endParaRPr lang="en-US" dirty="0"/>
+          </a:p>
+          <a:p>
+            <a:r>
+              <a:rPr lang="en-US" dirty="0" err="1"/>
+              <a:t>Fungsi</a:t>
+            </a:r>
+            <a:r>
+              <a:rPr lang="en-US" dirty="0"/>
+              <a:t> yang </a:t>
+            </a:r>
+            <a:r>
+              <a:rPr lang="en-US" dirty="0" err="1"/>
+              <a:t>dibuat</a:t>
+            </a:r>
+            <a:endParaRPr lang="en-US" dirty="0"/>
+          </a:p>
+          <a:p>
+            <a:endParaRPr lang="en-ID" dirty="0"/>
+          </a:p>
+          <a:p>
+            <a:r>
+              <a:rPr lang="en-US" dirty="0"/>
+              <a:t>Nama File Python: \</a:t>
+            </a:r>
+            <a:r>
+              <a:rPr lang="en-ID" dirty="0"/>
+              <a:t>backupr.py</a:t>
+            </a:r>
           </a:p>
         </p:txBody>
       </p:sp>
     </p:spTree>
     <p:extLst>
       <p:ext uri="{BB962C8B-B14F-4D97-AF65-F5344CB8AC3E}">
-        <p14:creationId xmlns:p14="http://schemas.microsoft.com/office/powerpoint/2010/main" val="3716800022"/>
+        <p14:creationId xmlns:p14="http://schemas.microsoft.com/office/powerpoint/2010/main" val="4098942964"/>
       </p:ext>
     </p:extLst>
   </p:cSld>
@@ -7997,7 +9573,7 @@
           <p:cNvPr id="2" name="Title 1">
             <a:extLst>
               <a:ext uri="{FF2B5EF4-FFF2-40B4-BE49-F238E27FC236}">
-                <a16:creationId xmlns:a16="http://schemas.microsoft.com/office/drawing/2014/main" id="{1675B71F-EAC5-8D60-4A4E-22F3BF27A8F4}"/>
+                <a16:creationId xmlns:a16="http://schemas.microsoft.com/office/drawing/2014/main" id="{80273000-2807-BD97-FA25-38AFA9CAE205}"/>
               </a:ext>
             </a:extLst>
           </p:cNvPr>
@@ -8014,16 +9590,24 @@
           <a:lstStyle/>
           <a:p>
             <a:r>
-              <a:rPr lang="en-US" dirty="0"/>
-              <a:t>Mode </a:t>
-            </a:r>
-            <a:r>
-              <a:rPr lang="en-US" dirty="0" err="1"/>
-              <a:t>Grafis</a:t>
-            </a:r>
-            <a:r>
-              <a:rPr lang="en-US" dirty="0"/>
-              <a:t> (GUI)</a:t>
+              <a:rPr lang="en-US" dirty="0" err="1"/>
+              <a:t>Paket</a:t>
+            </a:r>
+            <a:r>
+              <a:rPr lang="en-US" dirty="0"/>
+              <a:t>/</a:t>
+            </a:r>
+            <a:r>
+              <a:rPr lang="en-US" dirty="0" err="1"/>
+              <a:t>modul</a:t>
+            </a:r>
+            <a:r>
+              <a:rPr lang="en-US" dirty="0"/>
+              <a:t> yang di </a:t>
+            </a:r>
+            <a:r>
+              <a:rPr lang="en-US" dirty="0" err="1"/>
+              <a:t>sertakan</a:t>
             </a:r>
             <a:endParaRPr lang="en-ID" dirty="0"/>
           </a:p>
@@ -8034,7 +9618,7 @@
           <p:cNvPr id="3" name="Content Placeholder 2">
             <a:extLst>
               <a:ext uri="{FF2B5EF4-FFF2-40B4-BE49-F238E27FC236}">
-                <a16:creationId xmlns:a16="http://schemas.microsoft.com/office/drawing/2014/main" id="{71B9FD9D-9110-214B-1726-692391C9D0B4}"/>
+                <a16:creationId xmlns:a16="http://schemas.microsoft.com/office/drawing/2014/main" id="{64CBC714-FA69-A7B4-AD0F-554DB62FDE56}"/>
               </a:ext>
             </a:extLst>
           </p:cNvPr>
@@ -8047,105 +9631,151 @@
         </p:nvSpPr>
         <p:spPr/>
         <p:txBody>
-          <a:bodyPr/>
+          <a:bodyPr>
+            <a:normAutofit/>
+          </a:bodyPr>
           <a:lstStyle/>
           <a:p>
             <a:r>
               <a:rPr lang="en-US" dirty="0" err="1"/>
-              <a:t>Paket</a:t>
-            </a:r>
-            <a:r>
-              <a:rPr lang="en-US" dirty="0"/>
-              <a:t> yang di </a:t>
-            </a:r>
-            <a:r>
-              <a:rPr lang="en-US" dirty="0" err="1"/>
-              <a:t>sertakan</a:t>
+              <a:t>Menggunakan</a:t>
+            </a:r>
+            <a:r>
+              <a:rPr lang="en-US" dirty="0"/>
+              <a:t> </a:t>
+            </a:r>
+            <a:r>
+              <a:rPr lang="en-US" dirty="0" err="1"/>
+              <a:t>paket</a:t>
+            </a:r>
+            <a:r>
+              <a:rPr lang="en-US" dirty="0"/>
+              <a:t>/</a:t>
+            </a:r>
+            <a:r>
+              <a:rPr lang="en-US" dirty="0" err="1"/>
+              <a:t>modul</a:t>
+            </a:r>
+            <a:r>
+              <a:rPr lang="en-US" dirty="0"/>
+              <a:t>:</a:t>
+            </a:r>
+          </a:p>
+          <a:p>
+            <a:pPr lvl="1"/>
+            <a:r>
+              <a:rPr lang="en-US" dirty="0" err="1"/>
+              <a:t>shutil</a:t>
             </a:r>
             <a:endParaRPr lang="en-US" dirty="0"/>
           </a:p>
           <a:p>
-            <a:r>
-              <a:rPr lang="en-US" dirty="0" err="1"/>
-              <a:t>Atribut</a:t>
-            </a:r>
-            <a:r>
-              <a:rPr lang="en-US" dirty="0"/>
-              <a:t>/</a:t>
-            </a:r>
-            <a:r>
-              <a:rPr lang="en-US" dirty="0" err="1"/>
-              <a:t>elemen</a:t>
-            </a:r>
-            <a:r>
-              <a:rPr lang="en-US" dirty="0"/>
-              <a:t> Yang </a:t>
-            </a:r>
-            <a:r>
-              <a:rPr lang="en-US" dirty="0" err="1"/>
-              <a:t>digunakan</a:t>
+            <a:pPr lvl="1"/>
+            <a:r>
+              <a:rPr lang="en-US" dirty="0" err="1"/>
+              <a:t>os</a:t>
             </a:r>
             <a:endParaRPr lang="en-US" dirty="0"/>
           </a:p>
           <a:p>
-            <a:r>
-              <a:rPr lang="en-US" dirty="0" err="1"/>
-              <a:t>Fungsi</a:t>
-            </a:r>
-            <a:r>
-              <a:rPr lang="en-US" dirty="0"/>
-              <a:t> </a:t>
-            </a:r>
-            <a:r>
-              <a:rPr lang="en-US" dirty="0" err="1"/>
-              <a:t>utama</a:t>
-            </a:r>
-            <a:r>
-              <a:rPr lang="en-US" dirty="0"/>
-              <a:t> yang </a:t>
-            </a:r>
-            <a:r>
-              <a:rPr lang="en-US" dirty="0" err="1"/>
-              <a:t>digunakan</a:t>
-            </a:r>
-            <a:r>
-              <a:rPr lang="en-US" dirty="0"/>
-              <a:t> </a:t>
-            </a:r>
-            <a:r>
-              <a:rPr lang="en-US" dirty="0" err="1"/>
-              <a:t>untuk</a:t>
-            </a:r>
-            <a:r>
-              <a:rPr lang="en-US" dirty="0"/>
-              <a:t> </a:t>
-            </a:r>
-            <a:r>
-              <a:rPr lang="en-US" dirty="0" err="1"/>
-              <a:t>Membackup</a:t>
-            </a:r>
+            <a:pPr lvl="1"/>
+            <a:r>
+              <a:rPr lang="en-US" dirty="0"/>
+              <a:t>datetime</a:t>
+            </a:r>
+          </a:p>
+          <a:p>
+            <a:pPr lvl="1"/>
+            <a:r>
+              <a:rPr lang="en-US" dirty="0" err="1"/>
+              <a:t>distutils.dir_util</a:t>
+            </a:r>
+            <a:r>
+              <a:rPr lang="en-US" dirty="0"/>
+              <a:t> import</a:t>
+            </a:r>
+          </a:p>
+          <a:p>
+            <a:pPr lvl="1"/>
             <a:endParaRPr lang="en-US" dirty="0"/>
           </a:p>
           <a:p>
-            <a:r>
-              <a:rPr lang="en-US" dirty="0" err="1"/>
-              <a:t>Fungsi</a:t>
-            </a:r>
-            <a:r>
-              <a:rPr lang="en-US" dirty="0"/>
-              <a:t> yang </a:t>
-            </a:r>
-            <a:r>
-              <a:rPr lang="en-US" dirty="0" err="1"/>
-              <a:t>dibuat</a:t>
+            <a:pPr lvl="2"/>
+            <a:r>
+              <a:rPr lang="en-US" dirty="0"/>
+              <a:t>import </a:t>
+            </a:r>
+            <a:r>
+              <a:rPr lang="en-US" dirty="0" err="1"/>
+              <a:t>shutil</a:t>
             </a:r>
             <a:endParaRPr lang="en-US" dirty="0"/>
           </a:p>
           <a:p>
-            <a:r>
-              <a:rPr lang="en-US" dirty="0"/>
-              <a:t>Nama File Python: \GroupR_backup_tkinter.py</a:t>
-            </a:r>
+            <a:pPr lvl="2"/>
+            <a:r>
+              <a:rPr lang="en-US" dirty="0"/>
+              <a:t>import </a:t>
+            </a:r>
+            <a:r>
+              <a:rPr lang="en-US" dirty="0" err="1"/>
+              <a:t>os</a:t>
+            </a:r>
+            <a:endParaRPr lang="en-US" dirty="0"/>
+          </a:p>
+          <a:p>
+            <a:pPr lvl="2"/>
+            <a:r>
+              <a:rPr lang="en-US" dirty="0"/>
+              <a:t>from datetime import datetime</a:t>
+            </a:r>
+          </a:p>
+          <a:p>
+            <a:pPr lvl="2"/>
+            <a:r>
+              <a:rPr lang="en-US" dirty="0"/>
+              <a:t>from </a:t>
+            </a:r>
+            <a:r>
+              <a:rPr lang="en-US" dirty="0" err="1"/>
+              <a:t>distutils.dir_util</a:t>
+            </a:r>
+            <a:r>
+              <a:rPr lang="en-US" dirty="0"/>
+              <a:t> import </a:t>
+            </a:r>
+            <a:r>
+              <a:rPr lang="en-US" dirty="0" err="1"/>
+              <a:t>copy_tree</a:t>
+            </a:r>
+            <a:r>
+              <a:rPr lang="en-US" dirty="0"/>
+              <a:t> as </a:t>
+            </a:r>
+            <a:r>
+              <a:rPr lang="en-US" dirty="0" err="1"/>
+              <a:t>ct</a:t>
+            </a:r>
+            <a:endParaRPr lang="en-US" dirty="0"/>
+          </a:p>
+          <a:p>
+            <a:pPr lvl="2"/>
+            <a:r>
+              <a:rPr lang="en-US" dirty="0"/>
+              <a:t>from </a:t>
+            </a:r>
+            <a:r>
+              <a:rPr lang="en-US" dirty="0" err="1"/>
+              <a:t>distutils</a:t>
+            </a:r>
+            <a:r>
+              <a:rPr lang="en-US" dirty="0"/>
+              <a:t> import log</a:t>
+            </a:r>
+          </a:p>
+          <a:p>
+            <a:pPr lvl="1"/>
+            <a:endParaRPr lang="en-US" dirty="0"/>
           </a:p>
           <a:p>
             <a:endParaRPr lang="en-ID" dirty="0"/>
@@ -8155,7 +9785,7 @@
     </p:spTree>
     <p:extLst>
       <p:ext uri="{BB962C8B-B14F-4D97-AF65-F5344CB8AC3E}">
-        <p14:creationId xmlns:p14="http://schemas.microsoft.com/office/powerpoint/2010/main" val="3458752850"/>
+        <p14:creationId xmlns:p14="http://schemas.microsoft.com/office/powerpoint/2010/main" val="2375047372"/>
       </p:ext>
     </p:extLst>
   </p:cSld>
@@ -8187,7 +9817,7 @@
           <p:cNvPr id="2" name="Title 1">
             <a:extLst>
               <a:ext uri="{FF2B5EF4-FFF2-40B4-BE49-F238E27FC236}">
-                <a16:creationId xmlns:a16="http://schemas.microsoft.com/office/drawing/2014/main" id="{660B967C-8788-1EB2-D679-1E6F1B63A6A7}"/>
+                <a16:creationId xmlns:a16="http://schemas.microsoft.com/office/drawing/2014/main" id="{1BAE74A9-B6A0-8222-967F-CE56E2056E0C}"/>
               </a:ext>
             </a:extLst>
           </p:cNvPr>
@@ -8205,15 +9835,23 @@
           <a:p>
             <a:r>
               <a:rPr lang="en-US" dirty="0" err="1"/>
-              <a:t>Paket</a:t>
-            </a:r>
-            <a:r>
-              <a:rPr lang="en-US" dirty="0"/>
-              <a:t> yang di </a:t>
-            </a:r>
-            <a:r>
-              <a:rPr lang="en-US" dirty="0" err="1"/>
-              <a:t>sertakan</a:t>
+              <a:t>Atribut</a:t>
+            </a:r>
+            <a:r>
+              <a:rPr lang="en-US" dirty="0"/>
+              <a:t>/</a:t>
+            </a:r>
+            <a:r>
+              <a:rPr lang="en-US" dirty="0" err="1"/>
+              <a:t>elemen</a:t>
+            </a:r>
+            <a:r>
+              <a:rPr lang="en-US" dirty="0"/>
+              <a:t> yang </a:t>
+            </a:r>
+            <a:r>
+              <a:rPr lang="en-US" dirty="0" err="1"/>
+              <a:t>digunakan</a:t>
             </a:r>
             <a:endParaRPr lang="en-US" dirty="0"/>
           </a:p>
@@ -8224,7 +9862,7 @@
           <p:cNvPr id="3" name="Content Placeholder 2">
             <a:extLst>
               <a:ext uri="{FF2B5EF4-FFF2-40B4-BE49-F238E27FC236}">
-                <a16:creationId xmlns:a16="http://schemas.microsoft.com/office/drawing/2014/main" id="{6F00F1A7-6B07-A47F-00B1-0A3EC2DEA290}"/>
+                <a16:creationId xmlns:a16="http://schemas.microsoft.com/office/drawing/2014/main" id="{57BC0BEC-DEEF-BC3B-F1A6-760CAA7655D3}"/>
               </a:ext>
             </a:extLst>
           </p:cNvPr>
@@ -8237,117 +9875,184 @@
         </p:nvSpPr>
         <p:spPr/>
         <p:txBody>
-          <a:bodyPr/>
+          <a:bodyPr>
+            <a:normAutofit/>
+          </a:bodyPr>
           <a:lstStyle/>
           <a:p>
             <a:r>
-              <a:rPr lang="en-US" dirty="0" err="1"/>
-              <a:t>Tkinter</a:t>
+              <a:rPr lang="en-US" dirty="0"/>
+              <a:t>Input</a:t>
+            </a:r>
+          </a:p>
+          <a:p>
+            <a:pPr lvl="1"/>
+            <a:r>
+              <a:rPr lang="en-US" dirty="0" err="1"/>
+              <a:t>Menggunakan</a:t>
+            </a:r>
+            <a:r>
+              <a:rPr lang="en-US" dirty="0"/>
+              <a:t> </a:t>
+            </a:r>
+            <a:r>
+              <a:rPr lang="en-US" dirty="0" err="1"/>
+              <a:t>metode</a:t>
+            </a:r>
+            <a:r>
+              <a:rPr lang="en-US" dirty="0"/>
+              <a:t> input </a:t>
+            </a:r>
+            <a:r>
+              <a:rPr lang="en-US" dirty="0" err="1"/>
+              <a:t>dalam</a:t>
+            </a:r>
+            <a:r>
+              <a:rPr lang="en-US" dirty="0"/>
+              <a:t> </a:t>
+            </a:r>
+            <a:r>
+              <a:rPr lang="en-US" dirty="0" err="1"/>
+              <a:t>mengidentifikasi</a:t>
+            </a:r>
+            <a:r>
+              <a:rPr lang="en-US" dirty="0"/>
+              <a:t> file/folder yang </a:t>
+            </a:r>
+            <a:r>
+              <a:rPr lang="en-US" dirty="0" err="1"/>
+              <a:t>akan</a:t>
+            </a:r>
+            <a:r>
+              <a:rPr lang="en-US" dirty="0"/>
+              <a:t> </a:t>
+            </a:r>
+            <a:r>
+              <a:rPr lang="en-US" dirty="0" err="1"/>
+              <a:t>dibackup</a:t>
             </a:r>
             <a:endParaRPr lang="en-US" dirty="0"/>
           </a:p>
           <a:p>
-            <a:r>
-              <a:rPr lang="en-US" dirty="0" err="1"/>
-              <a:t>distutils.dir_util</a:t>
+            <a:pPr lvl="1"/>
+            <a:r>
+              <a:rPr lang="en-US" dirty="0" err="1"/>
+              <a:t>Menggunakan</a:t>
+            </a:r>
+            <a:r>
+              <a:rPr lang="en-US" dirty="0"/>
+              <a:t> </a:t>
+            </a:r>
+            <a:r>
+              <a:rPr lang="en-US" dirty="0" err="1"/>
+              <a:t>metode</a:t>
+            </a:r>
+            <a:r>
+              <a:rPr lang="en-US" dirty="0"/>
+              <a:t> input </a:t>
+            </a:r>
+            <a:r>
+              <a:rPr lang="en-US" dirty="0" err="1"/>
+              <a:t>dalam</a:t>
+            </a:r>
+            <a:r>
+              <a:rPr lang="en-US" dirty="0"/>
+              <a:t> </a:t>
+            </a:r>
+            <a:r>
+              <a:rPr lang="en-US" dirty="0" err="1"/>
+              <a:t>mengidentifikasi</a:t>
+            </a:r>
+            <a:r>
+              <a:rPr lang="en-US" dirty="0"/>
+              <a:t> file/folder yang </a:t>
+            </a:r>
+            <a:r>
+              <a:rPr lang="en-US" dirty="0" err="1"/>
+              <a:t>akan</a:t>
+            </a:r>
+            <a:r>
+              <a:rPr lang="en-US" dirty="0"/>
+              <a:t> </a:t>
+            </a:r>
+            <a:r>
+              <a:rPr lang="en-US" dirty="0" err="1"/>
+              <a:t>dituju</a:t>
             </a:r>
             <a:endParaRPr lang="en-US" dirty="0"/>
           </a:p>
           <a:p>
             <a:r>
-              <a:rPr lang="en-US" dirty="0" err="1"/>
-              <a:t>Shutil</a:t>
-            </a:r>
-            <a:endParaRPr lang="en-US" dirty="0"/>
-          </a:p>
-          <a:p>
-            <a:endParaRPr lang="en-US" dirty="0"/>
+              <a:rPr lang="en-US" dirty="0"/>
+              <a:t>Output </a:t>
+            </a:r>
+            <a:r>
+              <a:rPr lang="en-US" dirty="0" err="1"/>
+              <a:t>berupa</a:t>
+            </a:r>
+            <a:r>
+              <a:rPr lang="en-US" dirty="0"/>
+              <a:t> </a:t>
+            </a:r>
+            <a:r>
+              <a:rPr lang="en-US" dirty="0" err="1"/>
+              <a:t>notifikasi</a:t>
+            </a:r>
+            <a:r>
+              <a:rPr lang="en-US" dirty="0"/>
+              <a:t> </a:t>
+            </a:r>
+            <a:r>
+              <a:rPr lang="en-US" dirty="0" err="1"/>
+              <a:t>berhasil</a:t>
+            </a:r>
+            <a:r>
+              <a:rPr lang="en-US" dirty="0"/>
+              <a:t> </a:t>
+            </a:r>
+            <a:r>
+              <a:rPr lang="en-US" dirty="0" err="1"/>
+              <a:t>atau</a:t>
+            </a:r>
+            <a:r>
+              <a:rPr lang="en-US" dirty="0"/>
+              <a:t> </a:t>
+            </a:r>
+            <a:r>
+              <a:rPr lang="en-US" dirty="0" err="1"/>
+              <a:t>gagal</a:t>
+            </a:r>
+            <a:r>
+              <a:rPr lang="en-US" dirty="0"/>
+              <a:t> </a:t>
+            </a:r>
+            <a:r>
+              <a:rPr lang="en-US" dirty="0" err="1"/>
+              <a:t>dalam</a:t>
+            </a:r>
+            <a:r>
+              <a:rPr lang="en-US" dirty="0"/>
+              <a:t> </a:t>
+            </a:r>
+            <a:r>
+              <a:rPr lang="en-US" dirty="0" err="1"/>
+              <a:t>berntuk</a:t>
+            </a:r>
+            <a:r>
+              <a:rPr lang="en-US" dirty="0"/>
+              <a:t> </a:t>
+            </a:r>
+            <a:r>
+              <a:rPr lang="en-US" dirty="0" err="1"/>
+              <a:t>hasil</a:t>
+            </a:r>
+            <a:r>
+              <a:rPr lang="en-US" dirty="0"/>
+              <a:t> print di layer console</a:t>
+            </a:r>
           </a:p>
           <a:p>
             <a:pPr lvl="1"/>
-            <a:r>
-              <a:rPr lang="en-US" dirty="0"/>
-              <a:t>import </a:t>
-            </a:r>
-            <a:r>
-              <a:rPr lang="en-US" dirty="0" err="1"/>
-              <a:t>tkinter</a:t>
-            </a:r>
-            <a:endParaRPr lang="en-US" dirty="0"/>
-          </a:p>
-          <a:p>
-            <a:pPr lvl="1"/>
-            <a:r>
-              <a:rPr lang="en-US" dirty="0"/>
-              <a:t>from </a:t>
-            </a:r>
-            <a:r>
-              <a:rPr lang="en-US" dirty="0" err="1"/>
-              <a:t>tkinter</a:t>
-            </a:r>
-            <a:r>
-              <a:rPr lang="en-US" dirty="0"/>
-              <a:t> import DISABLED, </a:t>
-            </a:r>
-            <a:r>
-              <a:rPr lang="en-US" dirty="0" err="1"/>
-              <a:t>filedialog</a:t>
-            </a:r>
-            <a:endParaRPr lang="en-US" dirty="0"/>
-          </a:p>
-          <a:p>
-            <a:pPr lvl="1"/>
-            <a:r>
-              <a:rPr lang="en-US" dirty="0"/>
-              <a:t>from </a:t>
-            </a:r>
-            <a:r>
-              <a:rPr lang="en-US" dirty="0" err="1"/>
-              <a:t>tkinter.font</a:t>
-            </a:r>
-            <a:r>
-              <a:rPr lang="en-US" dirty="0"/>
-              <a:t> import NORMAL</a:t>
-            </a:r>
-          </a:p>
-          <a:p>
-            <a:pPr lvl="1"/>
-            <a:r>
-              <a:rPr lang="en-US" dirty="0"/>
-              <a:t>from </a:t>
-            </a:r>
-            <a:r>
-              <a:rPr lang="en-US" dirty="0" err="1"/>
-              <a:t>distutils.dir_util</a:t>
-            </a:r>
-            <a:r>
-              <a:rPr lang="en-US" dirty="0"/>
-              <a:t> import </a:t>
-            </a:r>
-            <a:r>
-              <a:rPr lang="en-US" dirty="0" err="1"/>
-              <a:t>copy_tree</a:t>
-            </a:r>
-            <a:r>
-              <a:rPr lang="en-US" dirty="0"/>
-              <a:t> as </a:t>
-            </a:r>
-            <a:r>
-              <a:rPr lang="en-US" dirty="0" err="1"/>
-              <a:t>ct</a:t>
-            </a:r>
-            <a:endParaRPr lang="en-US" dirty="0"/>
-          </a:p>
-          <a:p>
-            <a:pPr lvl="1"/>
-            <a:r>
-              <a:rPr lang="en-US" dirty="0"/>
-              <a:t>import </a:t>
-            </a:r>
-            <a:r>
-              <a:rPr lang="en-US" dirty="0" err="1"/>
-              <a:t>shutil</a:t>
-            </a:r>
             <a:endParaRPr lang="en-US" dirty="0"/>
           </a:p>
         </p:txBody>
@@ -8355,7 +10060,7 @@
     </p:spTree>
     <p:extLst>
       <p:ext uri="{BB962C8B-B14F-4D97-AF65-F5344CB8AC3E}">
-        <p14:creationId xmlns:p14="http://schemas.microsoft.com/office/powerpoint/2010/main" val="4026801564"/>
+        <p14:creationId xmlns:p14="http://schemas.microsoft.com/office/powerpoint/2010/main" val="3716800022"/>
       </p:ext>
     </p:extLst>
   </p:cSld>
@@ -8562,7 +10267,7 @@
     </p:spTree>
     <p:extLst>
       <p:ext uri="{BB962C8B-B14F-4D97-AF65-F5344CB8AC3E}">
-        <p14:creationId xmlns:p14="http://schemas.microsoft.com/office/powerpoint/2010/main" val="1519041456"/>
+        <p14:creationId xmlns:p14="http://schemas.microsoft.com/office/powerpoint/2010/main" val="1448798913"/>
       </p:ext>
     </p:extLst>
   </p:cSld>
